--- a/Ski Resort.pptx
+++ b/Ski Resort.pptx
@@ -9,10 +9,13 @@
     <p:sldId id="257" r:id="rId3"/>
     <p:sldId id="263" r:id="rId4"/>
     <p:sldId id="261" r:id="rId5"/>
-    <p:sldId id="262" r:id="rId6"/>
-    <p:sldId id="260" r:id="rId7"/>
-    <p:sldId id="258" r:id="rId8"/>
-    <p:sldId id="264" r:id="rId9"/>
+    <p:sldId id="265" r:id="rId6"/>
+    <p:sldId id="262" r:id="rId7"/>
+    <p:sldId id="266" r:id="rId8"/>
+    <p:sldId id="260" r:id="rId9"/>
+    <p:sldId id="258" r:id="rId10"/>
+    <p:sldId id="264" r:id="rId11"/>
+    <p:sldId id="267" r:id="rId12"/>
   </p:sldIdLst>
   <p:sldSz cx="12192000" cy="6858000"/>
   <p:notesSz cx="6858000" cy="9144000"/>
@@ -111,6 +114,11 @@
       </a:defRPr>
     </a:lvl9pPr>
   </p:defaultTextStyle>
+  <p:extLst>
+    <p:ext uri="{EFAFB233-063F-42B5-8137-9DF3F51BA10A}">
+      <p15:sldGuideLst xmlns:p15="http://schemas.microsoft.com/office/powerpoint/2012/main"/>
+    </p:ext>
+  </p:extLst>
 </p:presentation>
 </file>
 
@@ -168,6 +176,60 @@
 </inkml:ink>
 </file>
 
+<file path=ppt/ink/ink3.xml><?xml version="1.0" encoding="utf-8"?>
+<inkml:ink xmlns:inkml="http://www.w3.org/2003/InkML">
+  <inkml:definitions>
+    <inkml:context xml:id="ctx0">
+      <inkml:inkSource xml:id="inkSrc0">
+        <inkml:traceFormat>
+          <inkml:channel name="X" type="integer" min="-2.14748E9" max="2.14748E9" units="cm"/>
+          <inkml:channel name="Y" type="integer" min="-2.14748E9" max="2.14748E9" units="cm"/>
+          <inkml:channel name="F" type="integer" max="32767" units="dev"/>
+        </inkml:traceFormat>
+        <inkml:channelProperties>
+          <inkml:channelProperty channel="X" name="resolution" value="1000" units="1/cm"/>
+          <inkml:channelProperty channel="Y" name="resolution" value="1000" units="1/cm"/>
+          <inkml:channelProperty channel="F" name="resolution" value="0" units="1/dev"/>
+        </inkml:channelProperties>
+      </inkml:inkSource>
+      <inkml:timestamp xml:id="ts0" timeString="2025-11-14T13:57:00.121"/>
+    </inkml:context>
+    <inkml:brush xml:id="br0">
+      <inkml:brushProperty name="width" value="0.035" units="cm"/>
+      <inkml:brushProperty name="height" value="0.035" units="cm"/>
+    </inkml:brush>
+  </inkml:definitions>
+  <inkml:trace contextRef="#ctx0" brushRef="#br0">1 1 24575,'0'1'0,"0"4"0,0 1 0,0 4 0,0 2 0,0 1 0,0-1 0,0-1-8191</inkml:trace>
+</inkml:ink>
+</file>
+
+<file path=ppt/ink/ink4.xml><?xml version="1.0" encoding="utf-8"?>
+<inkml:ink xmlns:inkml="http://www.w3.org/2003/InkML">
+  <inkml:definitions>
+    <inkml:context xml:id="ctx0">
+      <inkml:inkSource xml:id="inkSrc0">
+        <inkml:traceFormat>
+          <inkml:channel name="X" type="integer" min="-2.14748E9" max="2.14748E9" units="cm"/>
+          <inkml:channel name="Y" type="integer" min="-2.14748E9" max="2.14748E9" units="cm"/>
+          <inkml:channel name="F" type="integer" max="32767" units="dev"/>
+        </inkml:traceFormat>
+        <inkml:channelProperties>
+          <inkml:channelProperty channel="X" name="resolution" value="1000" units="1/cm"/>
+          <inkml:channelProperty channel="Y" name="resolution" value="1000" units="1/cm"/>
+          <inkml:channelProperty channel="F" name="resolution" value="0" units="1/dev"/>
+        </inkml:channelProperties>
+      </inkml:inkSource>
+      <inkml:timestamp xml:id="ts0" timeString="2025-11-14T14:00:24.574"/>
+    </inkml:context>
+    <inkml:brush xml:id="br0">
+      <inkml:brushProperty name="width" value="0.05" units="cm"/>
+      <inkml:brushProperty name="height" value="0.05" units="cm"/>
+    </inkml:brush>
+  </inkml:definitions>
+  <inkml:trace contextRef="#ctx0" brushRef="#br0">0 1 24575,'0'1'0,"1"0"0,3 1 0,1 0 0,1 1 0,0-1 0,0-1 0,0 2 0,1-1 0,0-1 0,-1 3 0,0 0 0,0 0 0,-1 0 0,1-1 0</inkml:trace>
+</inkml:ink>
+</file>
+
 <file path=ppt/slideLayouts/slideLayout1.xml><?xml version="1.0" encoding="utf-8"?>
 <p:sldLayout xmlns:a="http://schemas.openxmlformats.org/drawingml/2006/main" xmlns:r="http://schemas.openxmlformats.org/officeDocument/2006/relationships" xmlns:p="http://schemas.openxmlformats.org/presentationml/2006/main" type="title" preserve="1">
   <p:cSld name="Title Slide">
@@ -317,7 +379,7 @@
           <a:p>
             <a:fld id="{A401C85C-828C-4CE0-B0B6-00CF5569B46A}" type="datetimeFigureOut">
               <a:rPr lang="fr-FR" smtClean="0"/>
-              <a:t>14/11/2025</a:t>
+              <a:t>16/11/2025</a:t>
             </a:fld>
             <a:endParaRPr lang="fr-FR"/>
           </a:p>
@@ -517,7 +579,7 @@
           <a:p>
             <a:fld id="{A401C85C-828C-4CE0-B0B6-00CF5569B46A}" type="datetimeFigureOut">
               <a:rPr lang="fr-FR" smtClean="0"/>
-              <a:t>14/11/2025</a:t>
+              <a:t>16/11/2025</a:t>
             </a:fld>
             <a:endParaRPr lang="fr-FR"/>
           </a:p>
@@ -727,7 +789,7 @@
           <a:p>
             <a:fld id="{A401C85C-828C-4CE0-B0B6-00CF5569B46A}" type="datetimeFigureOut">
               <a:rPr lang="fr-FR" smtClean="0"/>
-              <a:t>14/11/2025</a:t>
+              <a:t>16/11/2025</a:t>
             </a:fld>
             <a:endParaRPr lang="fr-FR"/>
           </a:p>
@@ -927,7 +989,7 @@
           <a:p>
             <a:fld id="{A401C85C-828C-4CE0-B0B6-00CF5569B46A}" type="datetimeFigureOut">
               <a:rPr lang="fr-FR" smtClean="0"/>
-              <a:t>14/11/2025</a:t>
+              <a:t>16/11/2025</a:t>
             </a:fld>
             <a:endParaRPr lang="fr-FR"/>
           </a:p>
@@ -1203,7 +1265,7 @@
           <a:p>
             <a:fld id="{A401C85C-828C-4CE0-B0B6-00CF5569B46A}" type="datetimeFigureOut">
               <a:rPr lang="fr-FR" smtClean="0"/>
-              <a:t>14/11/2025</a:t>
+              <a:t>16/11/2025</a:t>
             </a:fld>
             <a:endParaRPr lang="fr-FR"/>
           </a:p>
@@ -1471,7 +1533,7 @@
           <a:p>
             <a:fld id="{A401C85C-828C-4CE0-B0B6-00CF5569B46A}" type="datetimeFigureOut">
               <a:rPr lang="fr-FR" smtClean="0"/>
-              <a:t>14/11/2025</a:t>
+              <a:t>16/11/2025</a:t>
             </a:fld>
             <a:endParaRPr lang="fr-FR"/>
           </a:p>
@@ -1886,7 +1948,7 @@
           <a:p>
             <a:fld id="{A401C85C-828C-4CE0-B0B6-00CF5569B46A}" type="datetimeFigureOut">
               <a:rPr lang="fr-FR" smtClean="0"/>
-              <a:t>14/11/2025</a:t>
+              <a:t>16/11/2025</a:t>
             </a:fld>
             <a:endParaRPr lang="fr-FR"/>
           </a:p>
@@ -2028,7 +2090,7 @@
           <a:p>
             <a:fld id="{A401C85C-828C-4CE0-B0B6-00CF5569B46A}" type="datetimeFigureOut">
               <a:rPr lang="fr-FR" smtClean="0"/>
-              <a:t>14/11/2025</a:t>
+              <a:t>16/11/2025</a:t>
             </a:fld>
             <a:endParaRPr lang="fr-FR"/>
           </a:p>
@@ -2141,7 +2203,7 @@
           <a:p>
             <a:fld id="{A401C85C-828C-4CE0-B0B6-00CF5569B46A}" type="datetimeFigureOut">
               <a:rPr lang="fr-FR" smtClean="0"/>
-              <a:t>14/11/2025</a:t>
+              <a:t>16/11/2025</a:t>
             </a:fld>
             <a:endParaRPr lang="fr-FR"/>
           </a:p>
@@ -2454,7 +2516,7 @@
           <a:p>
             <a:fld id="{A401C85C-828C-4CE0-B0B6-00CF5569B46A}" type="datetimeFigureOut">
               <a:rPr lang="fr-FR" smtClean="0"/>
-              <a:t>14/11/2025</a:t>
+              <a:t>16/11/2025</a:t>
             </a:fld>
             <a:endParaRPr lang="fr-FR"/>
           </a:p>
@@ -2743,7 +2805,7 @@
           <a:p>
             <a:fld id="{A401C85C-828C-4CE0-B0B6-00CF5569B46A}" type="datetimeFigureOut">
               <a:rPr lang="fr-FR" smtClean="0"/>
-              <a:t>14/11/2025</a:t>
+              <a:t>16/11/2025</a:t>
             </a:fld>
             <a:endParaRPr lang="fr-FR"/>
           </a:p>
@@ -2986,7 +3048,7 @@
           <a:p>
             <a:fld id="{A401C85C-828C-4CE0-B0B6-00CF5569B46A}" type="datetimeFigureOut">
               <a:rPr lang="fr-FR" smtClean="0"/>
-              <a:t>14/11/2025</a:t>
+              <a:t>16/11/2025</a:t>
             </a:fld>
             <a:endParaRPr lang="fr-FR"/>
           </a:p>
@@ -3879,6 +3941,1027 @@
 </p:sld>
 </file>
 
+<file path=ppt/slides/slide10.xml><?xml version="1.0" encoding="utf-8"?>
+<p:sld xmlns:a="http://schemas.openxmlformats.org/drawingml/2006/main" xmlns:r="http://schemas.openxmlformats.org/officeDocument/2006/relationships" xmlns:p="http://schemas.openxmlformats.org/presentationml/2006/main">
+  <p:cSld>
+    <p:bg>
+      <p:bgPr>
+        <a:solidFill>
+          <a:schemeClr val="bg1"/>
+        </a:solidFill>
+        <a:effectLst/>
+      </p:bgPr>
+    </p:bg>
+    <p:spTree>
+      <p:nvGrpSpPr>
+        <p:cNvPr id="1" name=""/>
+        <p:cNvGrpSpPr/>
+        <p:nvPr/>
+      </p:nvGrpSpPr>
+      <p:grpSpPr>
+        <a:xfrm>
+          <a:off x="0" y="0"/>
+          <a:ext cx="0" cy="0"/>
+          <a:chOff x="0" y="0"/>
+          <a:chExt cx="0" cy="0"/>
+        </a:xfrm>
+      </p:grpSpPr>
+      <p:sp useBgFill="1">
+        <p:nvSpPr>
+          <p:cNvPr id="8" name="Rectangle 7">
+            <a:extLst>
+              <a:ext uri="{FF2B5EF4-FFF2-40B4-BE49-F238E27FC236}">
+                <a16:creationId xmlns:a16="http://schemas.microsoft.com/office/drawing/2014/main" id="{DBF61EA3-B236-439E-9C0B-340980D56BEE}"/>
+              </a:ext>
+              <a:ext uri="{C183D7F6-B498-43B3-948B-1728B52AA6E4}">
+                <adec:decorative xmlns:adec="http://schemas.microsoft.com/office/drawing/2017/decorative" val="1"/>
+              </a:ext>
+            </a:extLst>
+          </p:cNvPr>
+          <p:cNvSpPr>
+            <a:spLocks noGrp="1" noRot="1" noChangeAspect="1" noMove="1" noResize="1" noEditPoints="1" noAdjustHandles="1" noChangeArrowheads="1" noChangeShapeType="1" noTextEdit="1"/>
+          </p:cNvSpPr>
+          <p:nvPr>
+            <p:extLst>
+              <p:ext uri="{386F3935-93C4-4BCD-93E2-E3B085C9AB24}">
+                <p16:designElem xmlns:p16="http://schemas.microsoft.com/office/powerpoint/2015/main" val="1"/>
+              </p:ext>
+            </p:extLst>
+          </p:nvPr>
+        </p:nvSpPr>
+        <p:spPr>
+          <a:xfrm>
+            <a:off x="0" y="0"/>
+            <a:ext cx="12191999" cy="6857365"/>
+          </a:xfrm>
+          <a:prstGeom prst="rect">
+            <a:avLst/>
+          </a:prstGeom>
+          <a:ln>
+            <a:noFill/>
+          </a:ln>
+        </p:spPr>
+        <p:style>
+          <a:lnRef idx="2">
+            <a:schemeClr val="accent1">
+              <a:shade val="50000"/>
+            </a:schemeClr>
+          </a:lnRef>
+          <a:fillRef idx="1">
+            <a:schemeClr val="accent1"/>
+          </a:fillRef>
+          <a:effectRef idx="0">
+            <a:schemeClr val="accent1"/>
+          </a:effectRef>
+          <a:fontRef idx="minor">
+            <a:schemeClr val="lt1"/>
+          </a:fontRef>
+        </p:style>
+        <p:txBody>
+          <a:bodyPr rtlCol="0" anchor="ctr"/>
+          <a:lstStyle/>
+          <a:p>
+            <a:pPr algn="ctr"/>
+            <a:endParaRPr lang="en-US"/>
+          </a:p>
+        </p:txBody>
+      </p:sp>
+      <p:sp>
+        <p:nvSpPr>
+          <p:cNvPr id="2" name="Title 1">
+            <a:extLst>
+              <a:ext uri="{FF2B5EF4-FFF2-40B4-BE49-F238E27FC236}">
+                <a16:creationId xmlns:a16="http://schemas.microsoft.com/office/drawing/2014/main" id="{EF4A9F7D-E93A-3312-8193-E8BFEE9F6659}"/>
+              </a:ext>
+            </a:extLst>
+          </p:cNvPr>
+          <p:cNvSpPr>
+            <a:spLocks noGrp="1"/>
+          </p:cNvSpPr>
+          <p:nvPr>
+            <p:ph type="title"/>
+          </p:nvPr>
+        </p:nvSpPr>
+        <p:spPr>
+          <a:xfrm>
+            <a:off x="808638" y="386930"/>
+            <a:ext cx="9236700" cy="1188950"/>
+          </a:xfrm>
+        </p:spPr>
+        <p:txBody>
+          <a:bodyPr anchor="b">
+            <a:normAutofit/>
+          </a:bodyPr>
+          <a:lstStyle/>
+          <a:p>
+            <a:r>
+              <a:rPr lang="en-US" sz="5400" dirty="0"/>
+              <a:t>Java App</a:t>
+            </a:r>
+          </a:p>
+        </p:txBody>
+      </p:sp>
+      <p:grpSp>
+        <p:nvGrpSpPr>
+          <p:cNvPr id="10" name="Group 9">
+            <a:extLst>
+              <a:ext uri="{FF2B5EF4-FFF2-40B4-BE49-F238E27FC236}">
+                <a16:creationId xmlns:a16="http://schemas.microsoft.com/office/drawing/2014/main" id="{28FAF094-D087-493F-8DF9-A486C2D6BBAA}"/>
+              </a:ext>
+              <a:ext uri="{C183D7F6-B498-43B3-948B-1728B52AA6E4}">
+                <adec:decorative xmlns:adec="http://schemas.microsoft.com/office/drawing/2017/decorative" val="1"/>
+              </a:ext>
+            </a:extLst>
+          </p:cNvPr>
+          <p:cNvGrpSpPr>
+            <a:grpSpLocks noGrp="1" noUngrp="1" noRot="1" noChangeAspect="1" noMove="1" noResize="1"/>
+          </p:cNvGrpSpPr>
+          <p:nvPr>
+            <p:extLst>
+              <p:ext uri="{386F3935-93C4-4BCD-93E2-E3B085C9AB24}">
+                <p16:designElem xmlns:p16="http://schemas.microsoft.com/office/powerpoint/2015/main" val="1"/>
+              </p:ext>
+            </p:extLst>
+          </p:nvPr>
+        </p:nvGrpSpPr>
+        <p:grpSpPr>
+          <a:xfrm>
+            <a:off x="-2" y="1998368"/>
+            <a:ext cx="11695083" cy="782176"/>
+            <a:chOff x="-2" y="1998368"/>
+            <a:chExt cx="11695083" cy="782176"/>
+          </a:xfrm>
+        </p:grpSpPr>
+        <p:sp>
+          <p:nvSpPr>
+            <p:cNvPr id="11" name="Rectangle 10">
+              <a:extLst>
+                <a:ext uri="{FF2B5EF4-FFF2-40B4-BE49-F238E27FC236}">
+                  <a16:creationId xmlns:a16="http://schemas.microsoft.com/office/drawing/2014/main" id="{8D7C88D8-5509-4514-925A-9CE148E5CBD6}"/>
+                </a:ext>
+                <a:ext uri="{C183D7F6-B498-43B3-948B-1728B52AA6E4}">
+                  <adec:decorative xmlns:adec="http://schemas.microsoft.com/office/drawing/2017/decorative" val="1"/>
+                </a:ext>
+              </a:extLst>
+            </p:cNvPr>
+            <p:cNvSpPr/>
+            <p:nvPr>
+              <p:extLst>
+                <p:ext uri="{386F3935-93C4-4BCD-93E2-E3B085C9AB24}">
+                  <p16:designElem xmlns:p16="http://schemas.microsoft.com/office/powerpoint/2015/main" val="1"/>
+                </p:ext>
+              </p:extLst>
+            </p:nvPr>
+          </p:nvSpPr>
+          <p:spPr>
+            <a:xfrm rot="5400000">
+              <a:off x="11228040" y="2313027"/>
+              <a:ext cx="781700" cy="152382"/>
+            </a:xfrm>
+            <a:prstGeom prst="rect">
+              <a:avLst/>
+            </a:prstGeom>
+            <a:solidFill>
+              <a:schemeClr val="accent4"/>
+            </a:solidFill>
+            <a:ln>
+              <a:noFill/>
+            </a:ln>
+          </p:spPr>
+          <p:style>
+            <a:lnRef idx="2">
+              <a:schemeClr val="accent1">
+                <a:shade val="50000"/>
+              </a:schemeClr>
+            </a:lnRef>
+            <a:fillRef idx="1">
+              <a:schemeClr val="accent1"/>
+            </a:fillRef>
+            <a:effectRef idx="0">
+              <a:schemeClr val="accent1"/>
+            </a:effectRef>
+            <a:fontRef idx="minor">
+              <a:schemeClr val="lt1"/>
+            </a:fontRef>
+          </p:style>
+          <p:txBody>
+            <a:bodyPr rtlCol="0" anchor="ctr"/>
+            <a:lstStyle/>
+            <a:p>
+              <a:pPr algn="ctr"/>
+              <a:endParaRPr lang="en-US"/>
+            </a:p>
+          </p:txBody>
+        </p:sp>
+        <p:sp>
+          <p:nvSpPr>
+            <p:cNvPr id="12" name="Rectangle 11">
+              <a:extLst>
+                <a:ext uri="{FF2B5EF4-FFF2-40B4-BE49-F238E27FC236}">
+                  <a16:creationId xmlns:a16="http://schemas.microsoft.com/office/drawing/2014/main" id="{7275593D-F75E-4426-AE3E-2CDEFD228D25}"/>
+                </a:ext>
+                <a:ext uri="{C183D7F6-B498-43B3-948B-1728B52AA6E4}">
+                  <adec:decorative xmlns:adec="http://schemas.microsoft.com/office/drawing/2017/decorative" val="1"/>
+                </a:ext>
+              </a:extLst>
+            </p:cNvPr>
+            <p:cNvSpPr/>
+            <p:nvPr>
+              <p:extLst>
+                <p:ext uri="{386F3935-93C4-4BCD-93E2-E3B085C9AB24}">
+                  <p16:designElem xmlns:p16="http://schemas.microsoft.com/office/powerpoint/2015/main" val="1"/>
+                </p:ext>
+              </p:extLst>
+            </p:nvPr>
+          </p:nvSpPr>
+          <p:spPr>
+            <a:xfrm flipH="1" flipV="1">
+              <a:off x="-2" y="1998845"/>
+              <a:ext cx="11454595" cy="781699"/>
+            </a:xfrm>
+            <a:prstGeom prst="rect">
+              <a:avLst/>
+            </a:prstGeom>
+            <a:solidFill>
+              <a:schemeClr val="accent4"/>
+            </a:solidFill>
+            <a:ln>
+              <a:noFill/>
+            </a:ln>
+          </p:spPr>
+          <p:style>
+            <a:lnRef idx="2">
+              <a:schemeClr val="accent1">
+                <a:shade val="50000"/>
+              </a:schemeClr>
+            </a:lnRef>
+            <a:fillRef idx="1">
+              <a:schemeClr val="accent1"/>
+            </a:fillRef>
+            <a:effectRef idx="0">
+              <a:schemeClr val="accent1"/>
+            </a:effectRef>
+            <a:fontRef idx="minor">
+              <a:schemeClr val="lt1"/>
+            </a:fontRef>
+          </p:style>
+          <p:txBody>
+            <a:bodyPr rtlCol="0" anchor="ctr"/>
+            <a:lstStyle/>
+            <a:p>
+              <a:pPr algn="ctr"/>
+              <a:endParaRPr lang="en-US"/>
+            </a:p>
+          </p:txBody>
+        </p:sp>
+      </p:grpSp>
+      <p:sp>
+        <p:nvSpPr>
+          <p:cNvPr id="14" name="Rectangle 13">
+            <a:extLst>
+              <a:ext uri="{FF2B5EF4-FFF2-40B4-BE49-F238E27FC236}">
+                <a16:creationId xmlns:a16="http://schemas.microsoft.com/office/drawing/2014/main" id="{E659831F-0D9A-4C63-9EBB-8435B85A440F}"/>
+              </a:ext>
+              <a:ext uri="{C183D7F6-B498-43B3-948B-1728B52AA6E4}">
+                <adec:decorative xmlns:adec="http://schemas.microsoft.com/office/drawing/2017/decorative" val="1"/>
+              </a:ext>
+            </a:extLst>
+          </p:cNvPr>
+          <p:cNvSpPr>
+            <a:spLocks noGrp="1" noRot="1" noChangeAspect="1" noMove="1" noResize="1" noEditPoints="1" noAdjustHandles="1" noChangeArrowheads="1" noChangeShapeType="1" noTextEdit="1"/>
+          </p:cNvSpPr>
+          <p:nvPr>
+            <p:extLst>
+              <p:ext uri="{386F3935-93C4-4BCD-93E2-E3B085C9AB24}">
+                <p16:designElem xmlns:p16="http://schemas.microsoft.com/office/powerpoint/2015/main" val="1"/>
+              </p:ext>
+            </p:extLst>
+          </p:nvPr>
+        </p:nvSpPr>
+        <p:spPr>
+          <a:xfrm>
+            <a:off x="0" y="2203079"/>
+            <a:ext cx="11383362" cy="4147845"/>
+          </a:xfrm>
+          <a:prstGeom prst="rect">
+            <a:avLst/>
+          </a:prstGeom>
+          <a:solidFill>
+            <a:schemeClr val="bg1"/>
+          </a:solidFill>
+          <a:ln>
+            <a:noFill/>
+          </a:ln>
+          <a:effectLst>
+            <a:outerShdw blurRad="139700" dist="127000" dir="5400000" algn="t" rotWithShape="0">
+              <a:prstClr val="black">
+                <a:alpha val="15000"/>
+              </a:prstClr>
+            </a:outerShdw>
+          </a:effectLst>
+        </p:spPr>
+        <p:style>
+          <a:lnRef idx="2">
+            <a:schemeClr val="accent1">
+              <a:shade val="50000"/>
+            </a:schemeClr>
+          </a:lnRef>
+          <a:fillRef idx="1">
+            <a:schemeClr val="accent1"/>
+          </a:fillRef>
+          <a:effectRef idx="0">
+            <a:schemeClr val="accent1"/>
+          </a:effectRef>
+          <a:fontRef idx="minor">
+            <a:schemeClr val="lt1"/>
+          </a:fontRef>
+        </p:style>
+        <p:txBody>
+          <a:bodyPr rtlCol="0" anchor="ctr"/>
+          <a:lstStyle/>
+          <a:p>
+            <a:pPr algn="ctr"/>
+            <a:endParaRPr lang="en-US"/>
+          </a:p>
+        </p:txBody>
+      </p:sp>
+      <p:sp>
+        <p:nvSpPr>
+          <p:cNvPr id="3" name="Content Placeholder 2">
+            <a:extLst>
+              <a:ext uri="{FF2B5EF4-FFF2-40B4-BE49-F238E27FC236}">
+                <a16:creationId xmlns:a16="http://schemas.microsoft.com/office/drawing/2014/main" id="{B0DD928C-26F7-463C-514F-D5206A5C1406}"/>
+              </a:ext>
+            </a:extLst>
+          </p:cNvPr>
+          <p:cNvSpPr>
+            <a:spLocks noGrp="1"/>
+          </p:cNvSpPr>
+          <p:nvPr>
+            <p:ph idx="1"/>
+          </p:nvPr>
+        </p:nvSpPr>
+        <p:spPr>
+          <a:xfrm>
+            <a:off x="793660" y="2599509"/>
+            <a:ext cx="10143668" cy="3435531"/>
+          </a:xfrm>
+        </p:spPr>
+        <p:txBody>
+          <a:bodyPr anchor="ctr">
+            <a:normAutofit/>
+          </a:bodyPr>
+          <a:lstStyle/>
+          <a:p>
+            <a:r>
+              <a:rPr lang="en-US" sz="2400" dirty="0"/>
+              <a:t>Build: Java SDK 23 + Maven 4</a:t>
+            </a:r>
+          </a:p>
+          <a:p>
+            <a:r>
+              <a:rPr lang="en-US" sz="2400" dirty="0"/>
+              <a:t>Dependencies: Hibernate, JPA Jakarta, </a:t>
+            </a:r>
+            <a:r>
+              <a:rPr lang="en-US" sz="2400" dirty="0" err="1"/>
+              <a:t>postgresql</a:t>
+            </a:r>
+            <a:r>
+              <a:rPr lang="en-US" sz="2400" dirty="0"/>
+              <a:t>, </a:t>
+            </a:r>
+            <a:r>
+              <a:rPr lang="en-US" sz="2400" dirty="0" err="1"/>
+              <a:t>HikariCP</a:t>
+            </a:r>
+            <a:endParaRPr lang="en-US" sz="2400" dirty="0"/>
+          </a:p>
+          <a:p>
+            <a:endParaRPr lang="en-US" sz="2400" dirty="0"/>
+          </a:p>
+          <a:p>
+            <a:r>
+              <a:rPr lang="en-US" sz="2400" dirty="0"/>
+              <a:t>Source Of Truth:</a:t>
+            </a:r>
+          </a:p>
+          <a:p>
+            <a:pPr lvl="1"/>
+            <a:r>
+              <a:rPr lang="en-US" sz="2000" dirty="0"/>
+              <a:t>Terrain (frequent access, few entries):  DB =&gt; instance at startup</a:t>
+            </a:r>
+          </a:p>
+          <a:p>
+            <a:pPr lvl="1"/>
+            <a:r>
+              <a:rPr lang="en-US" sz="2000" dirty="0"/>
+              <a:t>Pass, People (frequent access, lots of entries): instance =&gt; DB at instantiation</a:t>
+            </a:r>
+          </a:p>
+        </p:txBody>
+      </p:sp>
+      <p:pic>
+        <p:nvPicPr>
+          <p:cNvPr id="2052" name="Picture 4" descr="Java Logo transparent PNG - StickPNG">
+            <a:extLst>
+              <a:ext uri="{FF2B5EF4-FFF2-40B4-BE49-F238E27FC236}">
+                <a16:creationId xmlns:a16="http://schemas.microsoft.com/office/drawing/2014/main" id="{CC9DB8CD-82F8-6305-9ED8-9EEEED4CB614}"/>
+              </a:ext>
+            </a:extLst>
+          </p:cNvPr>
+          <p:cNvPicPr>
+            <a:picLocks noChangeAspect="1" noChangeArrowheads="1"/>
+          </p:cNvPicPr>
+          <p:nvPr/>
+        </p:nvPicPr>
+        <p:blipFill>
+          <a:blip r:embed="rId2">
+            <a:extLst>
+              <a:ext uri="{28A0092B-C50C-407E-A947-70E740481C1C}">
+                <a14:useLocalDpi xmlns:a14="http://schemas.microsoft.com/office/drawing/2010/main" val="0"/>
+              </a:ext>
+            </a:extLst>
+          </a:blip>
+          <a:srcRect/>
+          <a:stretch>
+            <a:fillRect/>
+          </a:stretch>
+        </p:blipFill>
+        <p:spPr bwMode="auto">
+          <a:xfrm>
+            <a:off x="5426988" y="179392"/>
+            <a:ext cx="1059379" cy="1432632"/>
+          </a:xfrm>
+          <a:prstGeom prst="rect">
+            <a:avLst/>
+          </a:prstGeom>
+          <a:noFill/>
+          <a:extLst>
+            <a:ext uri="{909E8E84-426E-40DD-AFC4-6F175D3DCCD1}">
+              <a14:hiddenFill xmlns:a14="http://schemas.microsoft.com/office/drawing/2010/main">
+                <a:solidFill>
+                  <a:srgbClr val="FFFFFF"/>
+                </a:solidFill>
+              </a14:hiddenFill>
+            </a:ext>
+          </a:extLst>
+        </p:spPr>
+      </p:pic>
+      <p:pic>
+        <p:nvPicPr>
+          <p:cNvPr id="2054" name="Picture 6">
+            <a:extLst>
+              <a:ext uri="{FF2B5EF4-FFF2-40B4-BE49-F238E27FC236}">
+                <a16:creationId xmlns:a16="http://schemas.microsoft.com/office/drawing/2014/main" id="{514720E6-B6AC-675F-AA67-444744462A94}"/>
+              </a:ext>
+            </a:extLst>
+          </p:cNvPr>
+          <p:cNvPicPr>
+            <a:picLocks noChangeAspect="1" noChangeArrowheads="1"/>
+          </p:cNvPicPr>
+          <p:nvPr/>
+        </p:nvPicPr>
+        <p:blipFill>
+          <a:blip r:embed="rId3">
+            <a:extLst>
+              <a:ext uri="{28A0092B-C50C-407E-A947-70E740481C1C}">
+                <a14:useLocalDpi xmlns:a14="http://schemas.microsoft.com/office/drawing/2010/main" val="0"/>
+              </a:ext>
+            </a:extLst>
+          </a:blip>
+          <a:srcRect/>
+          <a:stretch>
+            <a:fillRect/>
+          </a:stretch>
+        </p:blipFill>
+        <p:spPr bwMode="auto">
+          <a:xfrm>
+            <a:off x="7367332" y="245754"/>
+            <a:ext cx="1461332" cy="1507337"/>
+          </a:xfrm>
+          <a:prstGeom prst="rect">
+            <a:avLst/>
+          </a:prstGeom>
+          <a:noFill/>
+          <a:extLst>
+            <a:ext uri="{909E8E84-426E-40DD-AFC4-6F175D3DCCD1}">
+              <a14:hiddenFill xmlns:a14="http://schemas.microsoft.com/office/drawing/2010/main">
+                <a:solidFill>
+                  <a:srgbClr val="FFFFFF"/>
+                </a:solidFill>
+              </a14:hiddenFill>
+            </a:ext>
+          </a:extLst>
+        </p:spPr>
+      </p:pic>
+      <p:pic>
+        <p:nvPicPr>
+          <p:cNvPr id="2056" name="Picture 8" descr="Hibernate Logo transparent PNG - StickPNG">
+            <a:extLst>
+              <a:ext uri="{FF2B5EF4-FFF2-40B4-BE49-F238E27FC236}">
+                <a16:creationId xmlns:a16="http://schemas.microsoft.com/office/drawing/2014/main" id="{A60262A1-5A73-5235-815B-D4E013654E71}"/>
+              </a:ext>
+            </a:extLst>
+          </p:cNvPr>
+          <p:cNvPicPr>
+            <a:picLocks noChangeAspect="1" noChangeArrowheads="1"/>
+          </p:cNvPicPr>
+          <p:nvPr/>
+        </p:nvPicPr>
+        <p:blipFill>
+          <a:blip r:embed="rId4">
+            <a:extLst>
+              <a:ext uri="{28A0092B-C50C-407E-A947-70E740481C1C}">
+                <a14:useLocalDpi xmlns:a14="http://schemas.microsoft.com/office/drawing/2010/main" val="0"/>
+              </a:ext>
+            </a:extLst>
+          </a:blip>
+          <a:srcRect/>
+          <a:stretch>
+            <a:fillRect/>
+          </a:stretch>
+        </p:blipFill>
+        <p:spPr bwMode="auto">
+          <a:xfrm>
+            <a:off x="9218410" y="475190"/>
+            <a:ext cx="1092155" cy="1136834"/>
+          </a:xfrm>
+          <a:prstGeom prst="rect">
+            <a:avLst/>
+          </a:prstGeom>
+          <a:noFill/>
+          <a:extLst>
+            <a:ext uri="{909E8E84-426E-40DD-AFC4-6F175D3DCCD1}">
+              <a14:hiddenFill xmlns:a14="http://schemas.microsoft.com/office/drawing/2010/main">
+                <a:solidFill>
+                  <a:srgbClr val="FFFFFF"/>
+                </a:solidFill>
+              </a14:hiddenFill>
+            </a:ext>
+          </a:extLst>
+        </p:spPr>
+      </p:pic>
+      <p:pic>
+        <p:nvPicPr>
+          <p:cNvPr id="2060" name="Picture 12" descr="Download HD Written Kanji Hikari Png Written Kanji Hikari ...">
+            <a:extLst>
+              <a:ext uri="{FF2B5EF4-FFF2-40B4-BE49-F238E27FC236}">
+                <a16:creationId xmlns:a16="http://schemas.microsoft.com/office/drawing/2014/main" id="{994584F3-9D2A-1A00-3E62-BADD82286833}"/>
+              </a:ext>
+            </a:extLst>
+          </p:cNvPr>
+          <p:cNvPicPr>
+            <a:picLocks noChangeAspect="1" noChangeArrowheads="1"/>
+          </p:cNvPicPr>
+          <p:nvPr/>
+        </p:nvPicPr>
+        <p:blipFill>
+          <a:blip r:embed="rId5">
+            <a:extLst>
+              <a:ext uri="{28A0092B-C50C-407E-A947-70E740481C1C}">
+                <a14:useLocalDpi xmlns:a14="http://schemas.microsoft.com/office/drawing/2010/main" val="0"/>
+              </a:ext>
+            </a:extLst>
+          </a:blip>
+          <a:srcRect/>
+          <a:stretch>
+            <a:fillRect/>
+          </a:stretch>
+        </p:blipFill>
+        <p:spPr bwMode="auto">
+          <a:xfrm>
+            <a:off x="10636688" y="408507"/>
+            <a:ext cx="1229187" cy="1180878"/>
+          </a:xfrm>
+          <a:prstGeom prst="rect">
+            <a:avLst/>
+          </a:prstGeom>
+          <a:noFill/>
+          <a:extLst>
+            <a:ext uri="{909E8E84-426E-40DD-AFC4-6F175D3DCCD1}">
+              <a14:hiddenFill xmlns:a14="http://schemas.microsoft.com/office/drawing/2010/main">
+                <a:solidFill>
+                  <a:srgbClr val="FFFFFF"/>
+                </a:solidFill>
+              </a14:hiddenFill>
+            </a:ext>
+          </a:extLst>
+        </p:spPr>
+      </p:pic>
+    </p:spTree>
+    <p:extLst>
+      <p:ext uri="{BB962C8B-B14F-4D97-AF65-F5344CB8AC3E}">
+        <p14:creationId xmlns:p14="http://schemas.microsoft.com/office/powerpoint/2010/main" val="3924966114"/>
+      </p:ext>
+    </p:extLst>
+  </p:cSld>
+  <p:clrMapOvr>
+    <a:masterClrMapping/>
+  </p:clrMapOvr>
+</p:sld>
+</file>
+
+<file path=ppt/slides/slide11.xml><?xml version="1.0" encoding="utf-8"?>
+<p:sld xmlns:a="http://schemas.openxmlformats.org/drawingml/2006/main" xmlns:r="http://schemas.openxmlformats.org/officeDocument/2006/relationships" xmlns:p="http://schemas.openxmlformats.org/presentationml/2006/main">
+  <p:cSld>
+    <p:bg>
+      <p:bgPr>
+        <a:solidFill>
+          <a:schemeClr val="bg1"/>
+        </a:solidFill>
+        <a:effectLst/>
+      </p:bgPr>
+    </p:bg>
+    <p:spTree>
+      <p:nvGrpSpPr>
+        <p:cNvPr id="1" name=""/>
+        <p:cNvGrpSpPr/>
+        <p:nvPr/>
+      </p:nvGrpSpPr>
+      <p:grpSpPr>
+        <a:xfrm>
+          <a:off x="0" y="0"/>
+          <a:ext cx="0" cy="0"/>
+          <a:chOff x="0" y="0"/>
+          <a:chExt cx="0" cy="0"/>
+        </a:xfrm>
+      </p:grpSpPr>
+      <p:sp useBgFill="1">
+        <p:nvSpPr>
+          <p:cNvPr id="22" name="Rectangle 21">
+            <a:extLst>
+              <a:ext uri="{FF2B5EF4-FFF2-40B4-BE49-F238E27FC236}">
+                <a16:creationId xmlns:a16="http://schemas.microsoft.com/office/drawing/2014/main" id="{DBF61EA3-B236-439E-9C0B-340980D56BEE}"/>
+              </a:ext>
+              <a:ext uri="{C183D7F6-B498-43B3-948B-1728B52AA6E4}">
+                <adec:decorative xmlns:adec="http://schemas.microsoft.com/office/drawing/2017/decorative" val="1"/>
+              </a:ext>
+            </a:extLst>
+          </p:cNvPr>
+          <p:cNvSpPr>
+            <a:spLocks noGrp="1" noRot="1" noChangeAspect="1" noMove="1" noResize="1" noEditPoints="1" noAdjustHandles="1" noChangeArrowheads="1" noChangeShapeType="1" noTextEdit="1"/>
+          </p:cNvSpPr>
+          <p:nvPr>
+            <p:extLst>
+              <p:ext uri="{386F3935-93C4-4BCD-93E2-E3B085C9AB24}">
+                <p16:designElem xmlns:p16="http://schemas.microsoft.com/office/powerpoint/2015/main" val="1"/>
+              </p:ext>
+            </p:extLst>
+          </p:nvPr>
+        </p:nvSpPr>
+        <p:spPr>
+          <a:xfrm>
+            <a:off x="0" y="0"/>
+            <a:ext cx="12191999" cy="6857365"/>
+          </a:xfrm>
+          <a:prstGeom prst="rect">
+            <a:avLst/>
+          </a:prstGeom>
+          <a:ln>
+            <a:noFill/>
+          </a:ln>
+        </p:spPr>
+        <p:style>
+          <a:lnRef idx="2">
+            <a:schemeClr val="accent1">
+              <a:shade val="50000"/>
+            </a:schemeClr>
+          </a:lnRef>
+          <a:fillRef idx="1">
+            <a:schemeClr val="accent1"/>
+          </a:fillRef>
+          <a:effectRef idx="0">
+            <a:schemeClr val="accent1"/>
+          </a:effectRef>
+          <a:fontRef idx="minor">
+            <a:schemeClr val="lt1"/>
+          </a:fontRef>
+        </p:style>
+        <p:txBody>
+          <a:bodyPr rtlCol="0" anchor="ctr"/>
+          <a:lstStyle/>
+          <a:p>
+            <a:pPr algn="ctr"/>
+            <a:endParaRPr lang="en-US"/>
+          </a:p>
+        </p:txBody>
+      </p:sp>
+      <p:sp>
+        <p:nvSpPr>
+          <p:cNvPr id="2" name="Title 1">
+            <a:extLst>
+              <a:ext uri="{FF2B5EF4-FFF2-40B4-BE49-F238E27FC236}">
+                <a16:creationId xmlns:a16="http://schemas.microsoft.com/office/drawing/2014/main" id="{6A6B655E-2B30-F5AF-35B6-B5A0606139F4}"/>
+              </a:ext>
+            </a:extLst>
+          </p:cNvPr>
+          <p:cNvSpPr>
+            <a:spLocks noGrp="1"/>
+          </p:cNvSpPr>
+          <p:nvPr>
+            <p:ph type="title"/>
+          </p:nvPr>
+        </p:nvSpPr>
+        <p:spPr>
+          <a:xfrm>
+            <a:off x="808638" y="386930"/>
+            <a:ext cx="9236700" cy="1188950"/>
+          </a:xfrm>
+        </p:spPr>
+        <p:txBody>
+          <a:bodyPr anchor="b">
+            <a:normAutofit/>
+          </a:bodyPr>
+          <a:lstStyle/>
+          <a:p>
+            <a:r>
+              <a:rPr lang="en-US" sz="5400"/>
+              <a:t>Thank you for listening</a:t>
+            </a:r>
+          </a:p>
+        </p:txBody>
+      </p:sp>
+      <p:grpSp>
+        <p:nvGrpSpPr>
+          <p:cNvPr id="24" name="Group 23">
+            <a:extLst>
+              <a:ext uri="{FF2B5EF4-FFF2-40B4-BE49-F238E27FC236}">
+                <a16:creationId xmlns:a16="http://schemas.microsoft.com/office/drawing/2014/main" id="{28FAF094-D087-493F-8DF9-A486C2D6BBAA}"/>
+              </a:ext>
+              <a:ext uri="{C183D7F6-B498-43B3-948B-1728B52AA6E4}">
+                <adec:decorative xmlns:adec="http://schemas.microsoft.com/office/drawing/2017/decorative" val="1"/>
+              </a:ext>
+            </a:extLst>
+          </p:cNvPr>
+          <p:cNvGrpSpPr>
+            <a:grpSpLocks noGrp="1" noUngrp="1" noRot="1" noChangeAspect="1" noMove="1" noResize="1"/>
+          </p:cNvGrpSpPr>
+          <p:nvPr>
+            <p:extLst>
+              <p:ext uri="{386F3935-93C4-4BCD-93E2-E3B085C9AB24}">
+                <p16:designElem xmlns:p16="http://schemas.microsoft.com/office/powerpoint/2015/main" val="1"/>
+              </p:ext>
+            </p:extLst>
+          </p:nvPr>
+        </p:nvGrpSpPr>
+        <p:grpSpPr>
+          <a:xfrm>
+            <a:off x="-2" y="1998368"/>
+            <a:ext cx="11695083" cy="782176"/>
+            <a:chOff x="-2" y="1998368"/>
+            <a:chExt cx="11695083" cy="782176"/>
+          </a:xfrm>
+        </p:grpSpPr>
+        <p:sp>
+          <p:nvSpPr>
+            <p:cNvPr id="25" name="Rectangle 24">
+              <a:extLst>
+                <a:ext uri="{FF2B5EF4-FFF2-40B4-BE49-F238E27FC236}">
+                  <a16:creationId xmlns:a16="http://schemas.microsoft.com/office/drawing/2014/main" id="{8D7C88D8-5509-4514-925A-9CE148E5CBD6}"/>
+                </a:ext>
+                <a:ext uri="{C183D7F6-B498-43B3-948B-1728B52AA6E4}">
+                  <adec:decorative xmlns:adec="http://schemas.microsoft.com/office/drawing/2017/decorative" val="1"/>
+                </a:ext>
+              </a:extLst>
+            </p:cNvPr>
+            <p:cNvSpPr/>
+            <p:nvPr>
+              <p:extLst>
+                <p:ext uri="{386F3935-93C4-4BCD-93E2-E3B085C9AB24}">
+                  <p16:designElem xmlns:p16="http://schemas.microsoft.com/office/powerpoint/2015/main" val="1"/>
+                </p:ext>
+              </p:extLst>
+            </p:nvPr>
+          </p:nvSpPr>
+          <p:spPr>
+            <a:xfrm rot="5400000">
+              <a:off x="11228040" y="2313027"/>
+              <a:ext cx="781700" cy="152382"/>
+            </a:xfrm>
+            <a:prstGeom prst="rect">
+              <a:avLst/>
+            </a:prstGeom>
+            <a:solidFill>
+              <a:schemeClr val="accent4"/>
+            </a:solidFill>
+            <a:ln>
+              <a:noFill/>
+            </a:ln>
+          </p:spPr>
+          <p:style>
+            <a:lnRef idx="2">
+              <a:schemeClr val="accent1">
+                <a:shade val="50000"/>
+              </a:schemeClr>
+            </a:lnRef>
+            <a:fillRef idx="1">
+              <a:schemeClr val="accent1"/>
+            </a:fillRef>
+            <a:effectRef idx="0">
+              <a:schemeClr val="accent1"/>
+            </a:effectRef>
+            <a:fontRef idx="minor">
+              <a:schemeClr val="lt1"/>
+            </a:fontRef>
+          </p:style>
+          <p:txBody>
+            <a:bodyPr rtlCol="0" anchor="ctr"/>
+            <a:lstStyle/>
+            <a:p>
+              <a:pPr algn="ctr"/>
+              <a:endParaRPr lang="en-US"/>
+            </a:p>
+          </p:txBody>
+        </p:sp>
+        <p:sp>
+          <p:nvSpPr>
+            <p:cNvPr id="26" name="Rectangle 25">
+              <a:extLst>
+                <a:ext uri="{FF2B5EF4-FFF2-40B4-BE49-F238E27FC236}">
+                  <a16:creationId xmlns:a16="http://schemas.microsoft.com/office/drawing/2014/main" id="{7275593D-F75E-4426-AE3E-2CDEFD228D25}"/>
+                </a:ext>
+                <a:ext uri="{C183D7F6-B498-43B3-948B-1728B52AA6E4}">
+                  <adec:decorative xmlns:adec="http://schemas.microsoft.com/office/drawing/2017/decorative" val="1"/>
+                </a:ext>
+              </a:extLst>
+            </p:cNvPr>
+            <p:cNvSpPr/>
+            <p:nvPr>
+              <p:extLst>
+                <p:ext uri="{386F3935-93C4-4BCD-93E2-E3B085C9AB24}">
+                  <p16:designElem xmlns:p16="http://schemas.microsoft.com/office/powerpoint/2015/main" val="1"/>
+                </p:ext>
+              </p:extLst>
+            </p:nvPr>
+          </p:nvSpPr>
+          <p:spPr>
+            <a:xfrm flipH="1" flipV="1">
+              <a:off x="-2" y="1998845"/>
+              <a:ext cx="11454595" cy="781699"/>
+            </a:xfrm>
+            <a:prstGeom prst="rect">
+              <a:avLst/>
+            </a:prstGeom>
+            <a:solidFill>
+              <a:schemeClr val="accent4"/>
+            </a:solidFill>
+            <a:ln>
+              <a:noFill/>
+            </a:ln>
+          </p:spPr>
+          <p:style>
+            <a:lnRef idx="2">
+              <a:schemeClr val="accent1">
+                <a:shade val="50000"/>
+              </a:schemeClr>
+            </a:lnRef>
+            <a:fillRef idx="1">
+              <a:schemeClr val="accent1"/>
+            </a:fillRef>
+            <a:effectRef idx="0">
+              <a:schemeClr val="accent1"/>
+            </a:effectRef>
+            <a:fontRef idx="minor">
+              <a:schemeClr val="lt1"/>
+            </a:fontRef>
+          </p:style>
+          <p:txBody>
+            <a:bodyPr rtlCol="0" anchor="ctr"/>
+            <a:lstStyle/>
+            <a:p>
+              <a:pPr algn="ctr"/>
+              <a:endParaRPr lang="en-US"/>
+            </a:p>
+          </p:txBody>
+        </p:sp>
+      </p:grpSp>
+      <p:sp>
+        <p:nvSpPr>
+          <p:cNvPr id="28" name="Rectangle 27">
+            <a:extLst>
+              <a:ext uri="{FF2B5EF4-FFF2-40B4-BE49-F238E27FC236}">
+                <a16:creationId xmlns:a16="http://schemas.microsoft.com/office/drawing/2014/main" id="{E659831F-0D9A-4C63-9EBB-8435B85A440F}"/>
+              </a:ext>
+              <a:ext uri="{C183D7F6-B498-43B3-948B-1728B52AA6E4}">
+                <adec:decorative xmlns:adec="http://schemas.microsoft.com/office/drawing/2017/decorative" val="1"/>
+              </a:ext>
+            </a:extLst>
+          </p:cNvPr>
+          <p:cNvSpPr>
+            <a:spLocks noGrp="1" noRot="1" noChangeAspect="1" noMove="1" noResize="1" noEditPoints="1" noAdjustHandles="1" noChangeArrowheads="1" noChangeShapeType="1" noTextEdit="1"/>
+          </p:cNvSpPr>
+          <p:nvPr>
+            <p:extLst>
+              <p:ext uri="{386F3935-93C4-4BCD-93E2-E3B085C9AB24}">
+                <p16:designElem xmlns:p16="http://schemas.microsoft.com/office/powerpoint/2015/main" val="1"/>
+              </p:ext>
+            </p:extLst>
+          </p:nvPr>
+        </p:nvSpPr>
+        <p:spPr>
+          <a:xfrm>
+            <a:off x="0" y="2203079"/>
+            <a:ext cx="11383362" cy="4147845"/>
+          </a:xfrm>
+          <a:prstGeom prst="rect">
+            <a:avLst/>
+          </a:prstGeom>
+          <a:solidFill>
+            <a:schemeClr val="bg1"/>
+          </a:solidFill>
+          <a:ln>
+            <a:noFill/>
+          </a:ln>
+          <a:effectLst>
+            <a:outerShdw blurRad="139700" dist="127000" dir="5400000" algn="t" rotWithShape="0">
+              <a:prstClr val="black">
+                <a:alpha val="15000"/>
+              </a:prstClr>
+            </a:outerShdw>
+          </a:effectLst>
+        </p:spPr>
+        <p:style>
+          <a:lnRef idx="2">
+            <a:schemeClr val="accent1">
+              <a:shade val="50000"/>
+            </a:schemeClr>
+          </a:lnRef>
+          <a:fillRef idx="1">
+            <a:schemeClr val="accent1"/>
+          </a:fillRef>
+          <a:effectRef idx="0">
+            <a:schemeClr val="accent1"/>
+          </a:effectRef>
+          <a:fontRef idx="minor">
+            <a:schemeClr val="lt1"/>
+          </a:fontRef>
+        </p:style>
+        <p:txBody>
+          <a:bodyPr rtlCol="0" anchor="ctr"/>
+          <a:lstStyle/>
+          <a:p>
+            <a:pPr algn="ctr"/>
+            <a:endParaRPr lang="en-US"/>
+          </a:p>
+        </p:txBody>
+      </p:sp>
+      <p:sp>
+        <p:nvSpPr>
+          <p:cNvPr id="3" name="Content Placeholder 2">
+            <a:extLst>
+              <a:ext uri="{FF2B5EF4-FFF2-40B4-BE49-F238E27FC236}">
+                <a16:creationId xmlns:a16="http://schemas.microsoft.com/office/drawing/2014/main" id="{F0E53F58-7598-57FE-AF34-366DF2F39ADB}"/>
+              </a:ext>
+            </a:extLst>
+          </p:cNvPr>
+          <p:cNvSpPr>
+            <a:spLocks noGrp="1"/>
+          </p:cNvSpPr>
+          <p:nvPr>
+            <p:ph idx="1"/>
+          </p:nvPr>
+        </p:nvSpPr>
+        <p:spPr>
+          <a:xfrm>
+            <a:off x="793660" y="2599509"/>
+            <a:ext cx="10143668" cy="3435531"/>
+          </a:xfrm>
+        </p:spPr>
+        <p:txBody>
+          <a:bodyPr anchor="ctr">
+            <a:normAutofit/>
+          </a:bodyPr>
+          <a:lstStyle/>
+          <a:p>
+            <a:r>
+              <a:rPr lang="en-US" sz="2400" dirty="0"/>
+              <a:t>Link: </a:t>
+            </a:r>
+            <a:r>
+              <a:rPr lang="en-US" sz="2400" dirty="0">
+                <a:hlinkClick r:id="rId2"/>
+              </a:rPr>
+              <a:t>https://github.com/PapayaSupreme/SkiResort</a:t>
+            </a:r>
+            <a:endParaRPr lang="en-US" sz="2400" dirty="0"/>
+          </a:p>
+        </p:txBody>
+      </p:sp>
+    </p:spTree>
+    <p:extLst>
+      <p:ext uri="{BB962C8B-B14F-4D97-AF65-F5344CB8AC3E}">
+        <p14:creationId xmlns:p14="http://schemas.microsoft.com/office/powerpoint/2010/main" val="1689116869"/>
+      </p:ext>
+    </p:extLst>
+  </p:cSld>
+  <p:clrMapOvr>
+    <a:masterClrMapping/>
+  </p:clrMapOvr>
+</p:sld>
+</file>
+
 <file path=ppt/slides/slide2.xml><?xml version="1.0" encoding="utf-8"?>
 <p:sld xmlns:a="http://schemas.openxmlformats.org/drawingml/2006/main" xmlns:r="http://schemas.openxmlformats.org/officeDocument/2006/relationships" xmlns:p="http://schemas.openxmlformats.org/presentationml/2006/main">
   <p:cSld>
@@ -4388,17 +5471,26 @@
           </a:p>
           <a:p>
             <a:r>
+              <a:rPr lang="fr-FR" sz="2200" dirty="0" err="1"/>
+              <a:t>Uml</a:t>
+            </a:r>
+            <a:r>
               <a:rPr lang="fr-FR" sz="2200" dirty="0"/>
-              <a:t>Tech stack: Visual </a:t>
+              <a:t> Tool </a:t>
+            </a:r>
+            <a:r>
+              <a:rPr lang="fr-FR" sz="2200" dirty="0" err="1"/>
+              <a:t>Used</a:t>
+            </a:r>
+            <a:r>
+              <a:rPr lang="fr-FR" sz="2200" dirty="0"/>
+              <a:t>: Visual </a:t>
             </a:r>
             <a:r>
               <a:rPr lang="fr-FR" sz="2200" dirty="0" err="1"/>
               <a:t>Paradigm</a:t>
             </a:r>
-            <a:r>
-              <a:rPr lang="fr-FR" sz="2200" dirty="0"/>
-              <a:t>, Java, PostgreSQL</a:t>
-            </a:r>
+            <a:endParaRPr lang="fr-FR" sz="2200" dirty="0"/>
           </a:p>
           <a:p>
             <a:r>
@@ -4408,6 +5500,14 @@
             <a:r>
               <a:rPr lang="fr-FR" sz="2200" dirty="0" err="1"/>
               <a:t>Pass</a:t>
+            </a:r>
+            <a:r>
+              <a:rPr lang="fr-FR" sz="2200" dirty="0"/>
+              <a:t>, </a:t>
+            </a:r>
+            <a:r>
+              <a:rPr lang="fr-FR" sz="2200" dirty="0" err="1"/>
+              <a:t>Resort</a:t>
             </a:r>
             <a:endParaRPr lang="fr-FR" sz="2200" dirty="0"/>
           </a:p>
@@ -4965,6 +6065,133 @@
         <p:cNvPr id="1" name="">
           <a:extLst>
             <a:ext uri="{FF2B5EF4-FFF2-40B4-BE49-F238E27FC236}">
+              <a16:creationId xmlns:a16="http://schemas.microsoft.com/office/drawing/2014/main" id="{BDA285E1-54F5-3810-6AE6-06DDBE756A15}"/>
+            </a:ext>
+          </a:extLst>
+        </p:cNvPr>
+        <p:cNvGrpSpPr/>
+        <p:nvPr/>
+      </p:nvGrpSpPr>
+      <p:grpSpPr>
+        <a:xfrm>
+          <a:off x="0" y="0"/>
+          <a:ext cx="0" cy="0"/>
+          <a:chOff x="0" y="0"/>
+          <a:chExt cx="0" cy="0"/>
+        </a:xfrm>
+      </p:grpSpPr>
+      <p:sp>
+        <p:nvSpPr>
+          <p:cNvPr id="2" name="Title 1">
+            <a:extLst>
+              <a:ext uri="{FF2B5EF4-FFF2-40B4-BE49-F238E27FC236}">
+                <a16:creationId xmlns:a16="http://schemas.microsoft.com/office/drawing/2014/main" id="{518FDA0C-CCF9-D872-62CC-A1E364A291B0}"/>
+              </a:ext>
+            </a:extLst>
+          </p:cNvPr>
+          <p:cNvSpPr>
+            <a:spLocks noGrp="1"/>
+          </p:cNvSpPr>
+          <p:nvPr>
+            <p:ph type="title"/>
+          </p:nvPr>
+        </p:nvSpPr>
+        <p:spPr>
+          <a:xfrm>
+            <a:off x="836675" y="187129"/>
+            <a:ext cx="10515600" cy="942664"/>
+          </a:xfrm>
+        </p:spPr>
+        <p:txBody>
+          <a:bodyPr vert="horz" lIns="91440" tIns="45720" rIns="91440" bIns="45720" rtlCol="0" anchor="ctr">
+            <a:normAutofit/>
+          </a:bodyPr>
+          <a:lstStyle/>
+          <a:p>
+            <a:pPr algn="ctr"/>
+            <a:r>
+              <a:rPr lang="en-US" sz="5200" kern="1200" dirty="0">
+                <a:solidFill>
+                  <a:schemeClr val="tx1"/>
+                </a:solidFill>
+                <a:latin typeface="+mj-lt"/>
+                <a:ea typeface="+mj-ea"/>
+                <a:cs typeface="+mj-cs"/>
+              </a:rPr>
+              <a:t>Use Case Diagram</a:t>
+            </a:r>
+            <a:r>
+              <a:rPr lang="en-US" sz="5200" dirty="0"/>
+              <a:t> - Passes</a:t>
+            </a:r>
+            <a:endParaRPr lang="en-US" sz="5200" kern="1200" dirty="0">
+              <a:solidFill>
+                <a:schemeClr val="tx1"/>
+              </a:solidFill>
+              <a:latin typeface="+mj-lt"/>
+              <a:ea typeface="+mj-ea"/>
+              <a:cs typeface="+mj-cs"/>
+            </a:endParaRPr>
+          </a:p>
+        </p:txBody>
+      </p:sp>
+      <p:pic>
+        <p:nvPicPr>
+          <p:cNvPr id="4" name="Picture 3" descr="A diagram of a diagram&#10;&#10;AI-generated content may be incorrect.">
+            <a:extLst>
+              <a:ext uri="{FF2B5EF4-FFF2-40B4-BE49-F238E27FC236}">
+                <a16:creationId xmlns:a16="http://schemas.microsoft.com/office/drawing/2014/main" id="{5E74085E-44CC-40CD-9F23-687F6F45C8D7}"/>
+              </a:ext>
+            </a:extLst>
+          </p:cNvPr>
+          <p:cNvPicPr>
+            <a:picLocks noChangeAspect="1"/>
+          </p:cNvPicPr>
+          <p:nvPr/>
+        </p:nvPicPr>
+        <p:blipFill>
+          <a:blip r:embed="rId2">
+            <a:extLst>
+              <a:ext uri="{28A0092B-C50C-407E-A947-70E740481C1C}">
+                <a14:useLocalDpi xmlns:a14="http://schemas.microsoft.com/office/drawing/2010/main" val="0"/>
+              </a:ext>
+            </a:extLst>
+          </a:blip>
+          <a:stretch>
+            <a:fillRect/>
+          </a:stretch>
+        </p:blipFill>
+        <p:spPr>
+          <a:xfrm>
+            <a:off x="1011073" y="1043200"/>
+            <a:ext cx="9678239" cy="5715495"/>
+          </a:xfrm>
+          <a:prstGeom prst="rect">
+            <a:avLst/>
+          </a:prstGeom>
+        </p:spPr>
+      </p:pic>
+    </p:spTree>
+    <p:extLst>
+      <p:ext uri="{BB962C8B-B14F-4D97-AF65-F5344CB8AC3E}">
+        <p14:creationId xmlns:p14="http://schemas.microsoft.com/office/powerpoint/2010/main" val="1180744631"/>
+      </p:ext>
+    </p:extLst>
+  </p:cSld>
+  <p:clrMapOvr>
+    <a:masterClrMapping/>
+  </p:clrMapOvr>
+</p:sld>
+</file>
+
+<file path=ppt/slides/slide6.xml><?xml version="1.0" encoding="utf-8"?>
+<p:sld xmlns:a="http://schemas.openxmlformats.org/drawingml/2006/main" xmlns:r="http://schemas.openxmlformats.org/officeDocument/2006/relationships" xmlns:p="http://schemas.openxmlformats.org/presentationml/2006/main">
+  <p:cSld>
+    <p:spTree>
+      <p:nvGrpSpPr>
+        <p:cNvPr id="1" name="">
+          <a:extLst>
+            <a:ext uri="{FF2B5EF4-FFF2-40B4-BE49-F238E27FC236}">
               <a16:creationId xmlns:a16="http://schemas.microsoft.com/office/drawing/2014/main" id="{2C2C8A8E-57FD-2675-FCA8-02089CB23ECD}"/>
             </a:ext>
           </a:extLst>
@@ -5101,8 +6328,8 @@
           </a:prstGeom>
         </p:spPr>
       </p:pic>
-      <mc:AlternateContent xmlns:mc="http://schemas.openxmlformats.org/markup-compatibility/2006">
-        <mc:Choice xmlns:p14="http://schemas.microsoft.com/office/powerpoint/2010/main" Requires="p14">
+      <mc:AlternateContent xmlns:mc="http://schemas.openxmlformats.org/markup-compatibility/2006" xmlns:p14="http://schemas.microsoft.com/office/powerpoint/2010/main">
+        <mc:Choice Requires="p14">
           <p:contentPart p14:bwMode="auto" r:id="rId4">
             <p14:nvContentPartPr>
               <p14:cNvPr id="11" name="Ink 10">
@@ -5121,7 +6348,7 @@
             </p14:xfrm>
           </p:contentPart>
         </mc:Choice>
-        <mc:Fallback>
+        <mc:Fallback xmlns="">
           <p:pic>
             <p:nvPicPr>
               <p:cNvPr id="11" name="Ink 10">
@@ -5190,8 +6417,8 @@
           </a:fontRef>
         </p:style>
       </p:cxnSp>
-      <mc:AlternateContent xmlns:mc="http://schemas.openxmlformats.org/markup-compatibility/2006">
-        <mc:Choice xmlns:p14="http://schemas.microsoft.com/office/powerpoint/2010/main" Requires="p14">
+      <mc:AlternateContent xmlns:mc="http://schemas.openxmlformats.org/markup-compatibility/2006" xmlns:p14="http://schemas.microsoft.com/office/powerpoint/2010/main">
+        <mc:Choice Requires="p14">
           <p:contentPart p14:bwMode="auto" r:id="rId6">
             <p14:nvContentPartPr>
               <p14:cNvPr id="17" name="Ink 16">
@@ -5210,7 +6437,7 @@
             </p14:xfrm>
           </p:contentPart>
         </mc:Choice>
-        <mc:Fallback>
+        <mc:Fallback xmlns="">
           <p:pic>
             <p:nvPicPr>
               <p:cNvPr id="17" name="Ink 16">
@@ -5254,7 +6481,304 @@
 </p:sld>
 </file>
 
-<file path=ppt/slides/slide6.xml><?xml version="1.0" encoding="utf-8"?>
+<file path=ppt/slides/slide7.xml><?xml version="1.0" encoding="utf-8"?>
+<p:sld xmlns:a="http://schemas.openxmlformats.org/drawingml/2006/main" xmlns:r="http://schemas.openxmlformats.org/officeDocument/2006/relationships" xmlns:p="http://schemas.openxmlformats.org/presentationml/2006/main">
+  <p:cSld>
+    <p:spTree>
+      <p:nvGrpSpPr>
+        <p:cNvPr id="1" name="">
+          <a:extLst>
+            <a:ext uri="{FF2B5EF4-FFF2-40B4-BE49-F238E27FC236}">
+              <a16:creationId xmlns:a16="http://schemas.microsoft.com/office/drawing/2014/main" id="{2B6AB89E-DC97-6DFE-7C0F-1DFDAE2017BB}"/>
+            </a:ext>
+          </a:extLst>
+        </p:cNvPr>
+        <p:cNvGrpSpPr/>
+        <p:nvPr/>
+      </p:nvGrpSpPr>
+      <p:grpSpPr>
+        <a:xfrm>
+          <a:off x="0" y="0"/>
+          <a:ext cx="0" cy="0"/>
+          <a:chOff x="0" y="0"/>
+          <a:chExt cx="0" cy="0"/>
+        </a:xfrm>
+      </p:grpSpPr>
+      <p:sp>
+        <p:nvSpPr>
+          <p:cNvPr id="2" name="Title 1">
+            <a:extLst>
+              <a:ext uri="{FF2B5EF4-FFF2-40B4-BE49-F238E27FC236}">
+                <a16:creationId xmlns:a16="http://schemas.microsoft.com/office/drawing/2014/main" id="{8ABFAAC1-D4C2-BF58-D3FD-F21F4F4A59A8}"/>
+              </a:ext>
+            </a:extLst>
+          </p:cNvPr>
+          <p:cNvSpPr>
+            <a:spLocks noGrp="1"/>
+          </p:cNvSpPr>
+          <p:nvPr>
+            <p:ph type="title"/>
+          </p:nvPr>
+        </p:nvSpPr>
+        <p:spPr>
+          <a:xfrm>
+            <a:off x="836675" y="187129"/>
+            <a:ext cx="10515600" cy="942664"/>
+          </a:xfrm>
+        </p:spPr>
+        <p:txBody>
+          <a:bodyPr vert="horz" lIns="91440" tIns="45720" rIns="91440" bIns="45720" rtlCol="0" anchor="ctr">
+            <a:normAutofit/>
+          </a:bodyPr>
+          <a:lstStyle/>
+          <a:p>
+            <a:pPr algn="ctr"/>
+            <a:r>
+              <a:rPr lang="en-US" sz="5200" kern="1200" dirty="0">
+                <a:solidFill>
+                  <a:schemeClr val="tx1"/>
+                </a:solidFill>
+                <a:latin typeface="+mj-lt"/>
+                <a:ea typeface="+mj-ea"/>
+                <a:cs typeface="+mj-cs"/>
+              </a:rPr>
+              <a:t>Use Case Diagram</a:t>
+            </a:r>
+            <a:r>
+              <a:rPr lang="en-US" sz="5200" dirty="0"/>
+              <a:t> - Events</a:t>
+            </a:r>
+            <a:endParaRPr lang="en-US" sz="5200" kern="1200" dirty="0">
+              <a:solidFill>
+                <a:schemeClr val="tx1"/>
+              </a:solidFill>
+              <a:latin typeface="+mj-lt"/>
+              <a:ea typeface="+mj-ea"/>
+              <a:cs typeface="+mj-cs"/>
+            </a:endParaRPr>
+          </a:p>
+        </p:txBody>
+      </p:sp>
+      <p:pic>
+        <p:nvPicPr>
+          <p:cNvPr id="10" name="Picture 9">
+            <a:extLst>
+              <a:ext uri="{FF2B5EF4-FFF2-40B4-BE49-F238E27FC236}">
+                <a16:creationId xmlns:a16="http://schemas.microsoft.com/office/drawing/2014/main" id="{93256E05-5443-A38F-25E6-FC915A85358F}"/>
+              </a:ext>
+            </a:extLst>
+          </p:cNvPr>
+          <p:cNvPicPr>
+            <a:picLocks noChangeAspect="1"/>
+          </p:cNvPicPr>
+          <p:nvPr/>
+        </p:nvPicPr>
+        <p:blipFill>
+          <a:blip r:embed="rId2"/>
+          <a:stretch>
+            <a:fillRect/>
+          </a:stretch>
+        </p:blipFill>
+        <p:spPr>
+          <a:xfrm>
+            <a:off x="6165660" y="2584257"/>
+            <a:ext cx="1769247" cy="660387"/>
+          </a:xfrm>
+          <a:prstGeom prst="rect">
+            <a:avLst/>
+          </a:prstGeom>
+        </p:spPr>
+      </p:pic>
+      <mc:AlternateContent xmlns:mc="http://schemas.openxmlformats.org/markup-compatibility/2006">
+        <mc:Choice xmlns:p14="http://schemas.microsoft.com/office/powerpoint/2010/main" Requires="p14">
+          <p:contentPart p14:bwMode="auto" r:id="rId3">
+            <p14:nvContentPartPr>
+              <p14:cNvPr id="11" name="Ink 10">
+                <a:extLst>
+                  <a:ext uri="{FF2B5EF4-FFF2-40B4-BE49-F238E27FC236}">
+                    <a16:creationId xmlns:a16="http://schemas.microsoft.com/office/drawing/2014/main" id="{7217CE20-21A4-B535-51B6-CE05DA12B947}"/>
+                  </a:ext>
+                </a:extLst>
+              </p14:cNvPr>
+              <p14:cNvContentPartPr/>
+              <p14:nvPr/>
+            </p14:nvContentPartPr>
+            <p14:xfrm>
+              <a:off x="7078860" y="2579250"/>
+              <a:ext cx="360" cy="25560"/>
+            </p14:xfrm>
+          </p:contentPart>
+        </mc:Choice>
+        <mc:Fallback>
+          <p:pic>
+            <p:nvPicPr>
+              <p:cNvPr id="11" name="Ink 10">
+                <a:extLst>
+                  <a:ext uri="{FF2B5EF4-FFF2-40B4-BE49-F238E27FC236}">
+                    <a16:creationId xmlns:a16="http://schemas.microsoft.com/office/drawing/2014/main" id="{7217CE20-21A4-B535-51B6-CE05DA12B947}"/>
+                  </a:ext>
+                </a:extLst>
+              </p:cNvPr>
+              <p:cNvPicPr/>
+              <p:nvPr/>
+            </p:nvPicPr>
+            <p:blipFill>
+              <a:blip r:embed="rId4"/>
+              <a:stretch>
+                <a:fillRect/>
+              </a:stretch>
+            </p:blipFill>
+            <p:spPr>
+              <a:xfrm>
+                <a:off x="7072740" y="2573130"/>
+                <a:ext cx="12600" cy="37800"/>
+              </a:xfrm>
+              <a:prstGeom prst="rect">
+                <a:avLst/>
+              </a:prstGeom>
+            </p:spPr>
+          </p:pic>
+        </mc:Fallback>
+      </mc:AlternateContent>
+      <p:cxnSp>
+        <p:nvCxnSpPr>
+          <p:cNvPr id="13" name="Straight Connector 12">
+            <a:extLst>
+              <a:ext uri="{FF2B5EF4-FFF2-40B4-BE49-F238E27FC236}">
+                <a16:creationId xmlns:a16="http://schemas.microsoft.com/office/drawing/2014/main" id="{13285F47-6DD4-1F9B-7854-8F66143EDFFE}"/>
+              </a:ext>
+            </a:extLst>
+          </p:cNvPr>
+          <p:cNvCxnSpPr>
+            <a:cxnSpLocks/>
+          </p:cNvCxnSpPr>
+          <p:nvPr/>
+        </p:nvCxnSpPr>
+        <p:spPr>
+          <a:xfrm flipH="1" flipV="1">
+            <a:off x="7595817" y="3185160"/>
+            <a:ext cx="701040" cy="278130"/>
+          </a:xfrm>
+          <a:prstGeom prst="line">
+            <a:avLst/>
+          </a:prstGeom>
+        </p:spPr>
+        <p:style>
+          <a:lnRef idx="2">
+            <a:schemeClr val="dk1"/>
+          </a:lnRef>
+          <a:fillRef idx="0">
+            <a:schemeClr val="dk1"/>
+          </a:fillRef>
+          <a:effectRef idx="1">
+            <a:schemeClr val="dk1"/>
+          </a:effectRef>
+          <a:fontRef idx="minor">
+            <a:schemeClr val="tx1"/>
+          </a:fontRef>
+        </p:style>
+      </p:cxnSp>
+      <mc:AlternateContent xmlns:mc="http://schemas.openxmlformats.org/markup-compatibility/2006">
+        <mc:Choice xmlns:p14="http://schemas.microsoft.com/office/powerpoint/2010/main" Requires="p14">
+          <p:contentPart p14:bwMode="auto" r:id="rId5">
+            <p14:nvContentPartPr>
+              <p14:cNvPr id="17" name="Ink 16">
+                <a:extLst>
+                  <a:ext uri="{FF2B5EF4-FFF2-40B4-BE49-F238E27FC236}">
+                    <a16:creationId xmlns:a16="http://schemas.microsoft.com/office/drawing/2014/main" id="{C5A13ACD-52E3-DDB9-3B26-C81FFBA8B3FE}"/>
+                  </a:ext>
+                </a:extLst>
+              </p14:cNvPr>
+              <p14:cNvContentPartPr/>
+              <p14:nvPr/>
+            </p14:nvContentPartPr>
+            <p14:xfrm>
+              <a:off x="7576800" y="3177320"/>
+              <a:ext cx="28080" cy="13680"/>
+            </p14:xfrm>
+          </p:contentPart>
+        </mc:Choice>
+        <mc:Fallback>
+          <p:pic>
+            <p:nvPicPr>
+              <p:cNvPr id="17" name="Ink 16">
+                <a:extLst>
+                  <a:ext uri="{FF2B5EF4-FFF2-40B4-BE49-F238E27FC236}">
+                    <a16:creationId xmlns:a16="http://schemas.microsoft.com/office/drawing/2014/main" id="{C5A13ACD-52E3-DDB9-3B26-C81FFBA8B3FE}"/>
+                  </a:ext>
+                </a:extLst>
+              </p:cNvPr>
+              <p:cNvPicPr/>
+              <p:nvPr/>
+            </p:nvPicPr>
+            <p:blipFill>
+              <a:blip r:embed="rId6"/>
+              <a:stretch>
+                <a:fillRect/>
+              </a:stretch>
+            </p:blipFill>
+            <p:spPr>
+              <a:xfrm>
+                <a:off x="7567800" y="3168320"/>
+                <a:ext cx="45720" cy="31320"/>
+              </a:xfrm>
+              <a:prstGeom prst="rect">
+                <a:avLst/>
+              </a:prstGeom>
+            </p:spPr>
+          </p:pic>
+        </mc:Fallback>
+      </mc:AlternateContent>
+      <p:pic>
+        <p:nvPicPr>
+          <p:cNvPr id="4" name="Picture 3" descr="A diagram of a diagram&#10;&#10;AI-generated content may be incorrect.">
+            <a:extLst>
+              <a:ext uri="{FF2B5EF4-FFF2-40B4-BE49-F238E27FC236}">
+                <a16:creationId xmlns:a16="http://schemas.microsoft.com/office/drawing/2014/main" id="{B0660A20-5410-BB98-F1E0-2109F0EAFC9F}"/>
+              </a:ext>
+            </a:extLst>
+          </p:cNvPr>
+          <p:cNvPicPr>
+            <a:picLocks noChangeAspect="1"/>
+          </p:cNvPicPr>
+          <p:nvPr/>
+        </p:nvPicPr>
+        <p:blipFill>
+          <a:blip r:embed="rId7">
+            <a:extLst>
+              <a:ext uri="{28A0092B-C50C-407E-A947-70E740481C1C}">
+                <a14:useLocalDpi xmlns:a14="http://schemas.microsoft.com/office/drawing/2010/main" val="0"/>
+              </a:ext>
+            </a:extLst>
+          </a:blip>
+          <a:stretch>
+            <a:fillRect/>
+          </a:stretch>
+        </p:blipFill>
+        <p:spPr>
+          <a:xfrm>
+            <a:off x="611753" y="1004923"/>
+            <a:ext cx="10965443" cy="5665948"/>
+          </a:xfrm>
+          <a:prstGeom prst="rect">
+            <a:avLst/>
+          </a:prstGeom>
+        </p:spPr>
+      </p:pic>
+    </p:spTree>
+    <p:extLst>
+      <p:ext uri="{BB962C8B-B14F-4D97-AF65-F5344CB8AC3E}">
+        <p14:creationId xmlns:p14="http://schemas.microsoft.com/office/powerpoint/2010/main" val="905357419"/>
+      </p:ext>
+    </p:extLst>
+  </p:cSld>
+  <p:clrMapOvr>
+    <a:masterClrMapping/>
+  </p:clrMapOvr>
+</p:sld>
+</file>
+
+<file path=ppt/slides/slide8.xml><?xml version="1.0" encoding="utf-8"?>
 <p:sld xmlns:a="http://schemas.openxmlformats.org/drawingml/2006/main" xmlns:r="http://schemas.openxmlformats.org/officeDocument/2006/relationships" xmlns:p="http://schemas.openxmlformats.org/presentationml/2006/main">
   <p:cSld>
     <p:spTree>
@@ -5307,7 +6831,7 @@
           <a:p>
             <a:pPr algn="ctr"/>
             <a:r>
-              <a:rPr lang="en-US" sz="5200" kern="1200" dirty="0">
+              <a:rPr lang="en-US" sz="5200" kern="1200">
                 <a:solidFill>
                   <a:schemeClr val="tx1"/>
                 </a:solidFill>
@@ -5317,6 +6841,14 @@
               </a:rPr>
               <a:t>Sequence Diagram – Person Creation</a:t>
             </a:r>
+            <a:endParaRPr lang="en-US" sz="5200" kern="1200" dirty="0">
+              <a:solidFill>
+                <a:schemeClr val="tx1"/>
+              </a:solidFill>
+              <a:latin typeface="+mj-lt"/>
+              <a:ea typeface="+mj-ea"/>
+              <a:cs typeface="+mj-cs"/>
+            </a:endParaRPr>
           </a:p>
         </p:txBody>
       </p:sp>
@@ -5370,7 +6902,7 @@
 </p:sld>
 </file>
 
-<file path=ppt/slides/slide7.xml><?xml version="1.0" encoding="utf-8"?>
+<file path=ppt/slides/slide9.xml><?xml version="1.0" encoding="utf-8"?>
 <p:sld xmlns:a="http://schemas.openxmlformats.org/drawingml/2006/main" xmlns:r="http://schemas.openxmlformats.org/officeDocument/2006/relationships" xmlns:p="http://schemas.openxmlformats.org/presentationml/2006/main">
   <p:cSld>
     <p:bg>
@@ -5534,83 +7066,37 @@
           </a:prstGeom>
         </p:spPr>
       </p:pic>
-    </p:spTree>
-    <p:extLst>
-      <p:ext uri="{BB962C8B-B14F-4D97-AF65-F5344CB8AC3E}">
-        <p14:creationId xmlns:p14="http://schemas.microsoft.com/office/powerpoint/2010/main" val="1867167788"/>
-      </p:ext>
-    </p:extLst>
-  </p:cSld>
-  <p:clrMapOvr>
-    <a:masterClrMapping/>
-  </p:clrMapOvr>
-</p:sld>
-</file>
-
-<file path=ppt/slides/slide8.xml><?xml version="1.0" encoding="utf-8"?>
-<p:sld xmlns:a="http://schemas.openxmlformats.org/drawingml/2006/main" xmlns:r="http://schemas.openxmlformats.org/officeDocument/2006/relationships" xmlns:p="http://schemas.openxmlformats.org/presentationml/2006/main">
-  <p:cSld>
-    <p:bg>
-      <p:bgPr>
-        <a:solidFill>
-          <a:schemeClr val="bg1"/>
-        </a:solidFill>
-        <a:effectLst/>
-      </p:bgPr>
-    </p:bg>
-    <p:spTree>
-      <p:nvGrpSpPr>
-        <p:cNvPr id="1" name=""/>
-        <p:cNvGrpSpPr/>
-        <p:nvPr/>
-      </p:nvGrpSpPr>
-      <p:grpSpPr>
-        <a:xfrm>
-          <a:off x="0" y="0"/>
-          <a:ext cx="0" cy="0"/>
-          <a:chOff x="0" y="0"/>
-          <a:chExt cx="0" cy="0"/>
-        </a:xfrm>
-      </p:grpSpPr>
-      <p:sp useBgFill="1">
-        <p:nvSpPr>
-          <p:cNvPr id="8" name="Rectangle 7">
-            <a:extLst>
-              <a:ext uri="{FF2B5EF4-FFF2-40B4-BE49-F238E27FC236}">
-                <a16:creationId xmlns:a16="http://schemas.microsoft.com/office/drawing/2014/main" id="{DBF61EA3-B236-439E-9C0B-340980D56BEE}"/>
-              </a:ext>
-              <a:ext uri="{C183D7F6-B498-43B3-948B-1728B52AA6E4}">
-                <adec:decorative xmlns:adec="http://schemas.microsoft.com/office/drawing/2017/decorative" val="1"/>
-              </a:ext>
-            </a:extLst>
-          </p:cNvPr>
-          <p:cNvSpPr>
-            <a:spLocks noGrp="1" noRot="1" noChangeAspect="1" noMove="1" noResize="1" noEditPoints="1" noAdjustHandles="1" noChangeArrowheads="1" noChangeShapeType="1" noTextEdit="1"/>
-          </p:cNvSpPr>
-          <p:nvPr>
-            <p:extLst>
-              <p:ext uri="{386F3935-93C4-4BCD-93E2-E3B085C9AB24}">
-                <p16:designElem xmlns:p16="http://schemas.microsoft.com/office/powerpoint/2015/main" val="1"/>
-              </p:ext>
-            </p:extLst>
-          </p:nvPr>
+      <p:sp>
+        <p:nvSpPr>
+          <p:cNvPr id="4" name="Rectangle 3">
+            <a:extLst>
+              <a:ext uri="{FF2B5EF4-FFF2-40B4-BE49-F238E27FC236}">
+                <a16:creationId xmlns:a16="http://schemas.microsoft.com/office/drawing/2014/main" id="{2491C2E5-1599-0483-D03F-044CBA9C696D}"/>
+              </a:ext>
+            </a:extLst>
+          </p:cNvPr>
+          <p:cNvSpPr/>
+          <p:nvPr/>
         </p:nvSpPr>
         <p:spPr>
           <a:xfrm>
-            <a:off x="0" y="0"/>
-            <a:ext cx="12191999" cy="6857365"/>
+            <a:off x="2483957" y="6007510"/>
+            <a:ext cx="896783" cy="403123"/>
           </a:xfrm>
           <a:prstGeom prst="rect">
             <a:avLst/>
           </a:prstGeom>
-          <a:ln>
-            <a:noFill/>
+          <a:noFill/>
+          <a:ln w="57150">
+            <a:solidFill>
+              <a:srgbClr val="00B050"/>
+            </a:solidFill>
           </a:ln>
         </p:spPr>
         <p:style>
           <a:lnRef idx="2">
             <a:schemeClr val="accent1">
-              <a:shade val="50000"/>
+              <a:shade val="15000"/>
             </a:schemeClr>
           </a:lnRef>
           <a:fillRef idx="1">
@@ -5634,242 +7120,35 @@
       </p:sp>
       <p:sp>
         <p:nvSpPr>
-          <p:cNvPr id="2" name="Title 1">
-            <a:extLst>
-              <a:ext uri="{FF2B5EF4-FFF2-40B4-BE49-F238E27FC236}">
-                <a16:creationId xmlns:a16="http://schemas.microsoft.com/office/drawing/2014/main" id="{EF4A9F7D-E93A-3312-8193-E8BFEE9F6659}"/>
-              </a:ext>
-            </a:extLst>
-          </p:cNvPr>
-          <p:cNvSpPr>
-            <a:spLocks noGrp="1"/>
-          </p:cNvSpPr>
-          <p:nvPr>
-            <p:ph type="title"/>
-          </p:nvPr>
+          <p:cNvPr id="6" name="Rectangle 5">
+            <a:extLst>
+              <a:ext uri="{FF2B5EF4-FFF2-40B4-BE49-F238E27FC236}">
+                <a16:creationId xmlns:a16="http://schemas.microsoft.com/office/drawing/2014/main" id="{05F7BA6C-9EE6-6B91-B6C9-79F5D6C9CD01}"/>
+              </a:ext>
+            </a:extLst>
+          </p:cNvPr>
+          <p:cNvSpPr/>
+          <p:nvPr/>
         </p:nvSpPr>
         <p:spPr>
           <a:xfrm>
-            <a:off x="808638" y="386930"/>
-            <a:ext cx="9236700" cy="1188950"/>
-          </a:xfrm>
-        </p:spPr>
-        <p:txBody>
-          <a:bodyPr anchor="b">
-            <a:normAutofit/>
-          </a:bodyPr>
-          <a:lstStyle/>
-          <a:p>
-            <a:r>
-              <a:rPr lang="en-US" sz="5400" dirty="0"/>
-              <a:t>Java App</a:t>
-            </a:r>
-          </a:p>
-        </p:txBody>
-      </p:sp>
-      <p:grpSp>
-        <p:nvGrpSpPr>
-          <p:cNvPr id="10" name="Group 9">
-            <a:extLst>
-              <a:ext uri="{FF2B5EF4-FFF2-40B4-BE49-F238E27FC236}">
-                <a16:creationId xmlns:a16="http://schemas.microsoft.com/office/drawing/2014/main" id="{28FAF094-D087-493F-8DF9-A486C2D6BBAA}"/>
-              </a:ext>
-              <a:ext uri="{C183D7F6-B498-43B3-948B-1728B52AA6E4}">
-                <adec:decorative xmlns:adec="http://schemas.microsoft.com/office/drawing/2017/decorative" val="1"/>
-              </a:ext>
-            </a:extLst>
-          </p:cNvPr>
-          <p:cNvGrpSpPr>
-            <a:grpSpLocks noGrp="1" noUngrp="1" noRot="1" noChangeAspect="1" noMove="1" noResize="1"/>
-          </p:cNvGrpSpPr>
-          <p:nvPr>
-            <p:extLst>
-              <p:ext uri="{386F3935-93C4-4BCD-93E2-E3B085C9AB24}">
-                <p16:designElem xmlns:p16="http://schemas.microsoft.com/office/powerpoint/2015/main" val="1"/>
-              </p:ext>
-            </p:extLst>
-          </p:nvPr>
-        </p:nvGrpSpPr>
-        <p:grpSpPr>
-          <a:xfrm>
-            <a:off x="-2" y="1998368"/>
-            <a:ext cx="11695083" cy="782176"/>
-            <a:chOff x="-2" y="1998368"/>
-            <a:chExt cx="11695083" cy="782176"/>
-          </a:xfrm>
-        </p:grpSpPr>
-        <p:sp>
-          <p:nvSpPr>
-            <p:cNvPr id="11" name="Rectangle 10">
-              <a:extLst>
-                <a:ext uri="{FF2B5EF4-FFF2-40B4-BE49-F238E27FC236}">
-                  <a16:creationId xmlns:a16="http://schemas.microsoft.com/office/drawing/2014/main" id="{8D7C88D8-5509-4514-925A-9CE148E5CBD6}"/>
-                </a:ext>
-                <a:ext uri="{C183D7F6-B498-43B3-948B-1728B52AA6E4}">
-                  <adec:decorative xmlns:adec="http://schemas.microsoft.com/office/drawing/2017/decorative" val="1"/>
-                </a:ext>
-              </a:extLst>
-            </p:cNvPr>
-            <p:cNvSpPr/>
-            <p:nvPr>
-              <p:extLst>
-                <p:ext uri="{386F3935-93C4-4BCD-93E2-E3B085C9AB24}">
-                  <p16:designElem xmlns:p16="http://schemas.microsoft.com/office/powerpoint/2015/main" val="1"/>
-                </p:ext>
-              </p:extLst>
-            </p:nvPr>
-          </p:nvSpPr>
-          <p:spPr>
-            <a:xfrm rot="5400000">
-              <a:off x="11228040" y="2313027"/>
-              <a:ext cx="781700" cy="152382"/>
-            </a:xfrm>
-            <a:prstGeom prst="rect">
-              <a:avLst/>
-            </a:prstGeom>
-            <a:solidFill>
-              <a:schemeClr val="accent4"/>
-            </a:solidFill>
-            <a:ln>
-              <a:noFill/>
-            </a:ln>
-          </p:spPr>
-          <p:style>
-            <a:lnRef idx="2">
-              <a:schemeClr val="accent1">
-                <a:shade val="50000"/>
-              </a:schemeClr>
-            </a:lnRef>
-            <a:fillRef idx="1">
-              <a:schemeClr val="accent1"/>
-            </a:fillRef>
-            <a:effectRef idx="0">
-              <a:schemeClr val="accent1"/>
-            </a:effectRef>
-            <a:fontRef idx="minor">
-              <a:schemeClr val="lt1"/>
-            </a:fontRef>
-          </p:style>
-          <p:txBody>
-            <a:bodyPr rtlCol="0" anchor="ctr"/>
-            <a:lstStyle/>
-            <a:p>
-              <a:pPr algn="ctr"/>
-              <a:endParaRPr lang="en-US"/>
-            </a:p>
-          </p:txBody>
-        </p:sp>
-        <p:sp>
-          <p:nvSpPr>
-            <p:cNvPr id="12" name="Rectangle 11">
-              <a:extLst>
-                <a:ext uri="{FF2B5EF4-FFF2-40B4-BE49-F238E27FC236}">
-                  <a16:creationId xmlns:a16="http://schemas.microsoft.com/office/drawing/2014/main" id="{7275593D-F75E-4426-AE3E-2CDEFD228D25}"/>
-                </a:ext>
-                <a:ext uri="{C183D7F6-B498-43B3-948B-1728B52AA6E4}">
-                  <adec:decorative xmlns:adec="http://schemas.microsoft.com/office/drawing/2017/decorative" val="1"/>
-                </a:ext>
-              </a:extLst>
-            </p:cNvPr>
-            <p:cNvSpPr/>
-            <p:nvPr>
-              <p:extLst>
-                <p:ext uri="{386F3935-93C4-4BCD-93E2-E3B085C9AB24}">
-                  <p16:designElem xmlns:p16="http://schemas.microsoft.com/office/powerpoint/2015/main" val="1"/>
-                </p:ext>
-              </p:extLst>
-            </p:nvPr>
-          </p:nvSpPr>
-          <p:spPr>
-            <a:xfrm flipH="1" flipV="1">
-              <a:off x="-2" y="1998845"/>
-              <a:ext cx="11454595" cy="781699"/>
-            </a:xfrm>
-            <a:prstGeom prst="rect">
-              <a:avLst/>
-            </a:prstGeom>
-            <a:solidFill>
-              <a:schemeClr val="accent4"/>
-            </a:solidFill>
-            <a:ln>
-              <a:noFill/>
-            </a:ln>
-          </p:spPr>
-          <p:style>
-            <a:lnRef idx="2">
-              <a:schemeClr val="accent1">
-                <a:shade val="50000"/>
-              </a:schemeClr>
-            </a:lnRef>
-            <a:fillRef idx="1">
-              <a:schemeClr val="accent1"/>
-            </a:fillRef>
-            <a:effectRef idx="0">
-              <a:schemeClr val="accent1"/>
-            </a:effectRef>
-            <a:fontRef idx="minor">
-              <a:schemeClr val="lt1"/>
-            </a:fontRef>
-          </p:style>
-          <p:txBody>
-            <a:bodyPr rtlCol="0" anchor="ctr"/>
-            <a:lstStyle/>
-            <a:p>
-              <a:pPr algn="ctr"/>
-              <a:endParaRPr lang="en-US"/>
-            </a:p>
-          </p:txBody>
-        </p:sp>
-      </p:grpSp>
-      <p:sp>
-        <p:nvSpPr>
-          <p:cNvPr id="14" name="Rectangle 13">
-            <a:extLst>
-              <a:ext uri="{FF2B5EF4-FFF2-40B4-BE49-F238E27FC236}">
-                <a16:creationId xmlns:a16="http://schemas.microsoft.com/office/drawing/2014/main" id="{E659831F-0D9A-4C63-9EBB-8435B85A440F}"/>
-              </a:ext>
-              <a:ext uri="{C183D7F6-B498-43B3-948B-1728B52AA6E4}">
-                <adec:decorative xmlns:adec="http://schemas.microsoft.com/office/drawing/2017/decorative" val="1"/>
-              </a:ext>
-            </a:extLst>
-          </p:cNvPr>
-          <p:cNvSpPr>
-            <a:spLocks noGrp="1" noRot="1" noChangeAspect="1" noMove="1" noResize="1" noEditPoints="1" noAdjustHandles="1" noChangeArrowheads="1" noChangeShapeType="1" noTextEdit="1"/>
-          </p:cNvSpPr>
-          <p:nvPr>
-            <p:extLst>
-              <p:ext uri="{386F3935-93C4-4BCD-93E2-E3B085C9AB24}">
-                <p16:designElem xmlns:p16="http://schemas.microsoft.com/office/powerpoint/2015/main" val="1"/>
-              </p:ext>
-            </p:extLst>
-          </p:nvPr>
-        </p:nvSpPr>
-        <p:spPr>
-          <a:xfrm>
-            <a:off x="0" y="2203079"/>
-            <a:ext cx="11383362" cy="4147845"/>
+            <a:off x="3685540" y="6007510"/>
+            <a:ext cx="889000" cy="501445"/>
           </a:xfrm>
           <a:prstGeom prst="rect">
             <a:avLst/>
           </a:prstGeom>
-          <a:solidFill>
-            <a:schemeClr val="bg1"/>
-          </a:solidFill>
-          <a:ln>
-            <a:noFill/>
+          <a:noFill/>
+          <a:ln w="57150">
+            <a:solidFill>
+              <a:srgbClr val="00B050"/>
+            </a:solidFill>
           </a:ln>
-          <a:effectLst>
-            <a:outerShdw blurRad="139700" dist="127000" dir="5400000" algn="t" rotWithShape="0">
-              <a:prstClr val="black">
-                <a:alpha val="15000"/>
-              </a:prstClr>
-            </a:outerShdw>
-          </a:effectLst>
         </p:spPr>
         <p:style>
           <a:lnRef idx="2">
             <a:schemeClr val="accent1">
-              <a:shade val="50000"/>
+              <a:shade val="15000"/>
             </a:schemeClr>
           </a:lnRef>
           <a:fillRef idx="1">
@@ -5893,263 +7172,535 @@
       </p:sp>
       <p:sp>
         <p:nvSpPr>
-          <p:cNvPr id="3" name="Content Placeholder 2">
-            <a:extLst>
-              <a:ext uri="{FF2B5EF4-FFF2-40B4-BE49-F238E27FC236}">
-                <a16:creationId xmlns:a16="http://schemas.microsoft.com/office/drawing/2014/main" id="{B0DD928C-26F7-463C-514F-D5206A5C1406}"/>
-              </a:ext>
-            </a:extLst>
-          </p:cNvPr>
-          <p:cNvSpPr>
-            <a:spLocks noGrp="1"/>
-          </p:cNvSpPr>
-          <p:nvPr>
-            <p:ph idx="1"/>
-          </p:nvPr>
+          <p:cNvPr id="7" name="Rectangle 6">
+            <a:extLst>
+              <a:ext uri="{FF2B5EF4-FFF2-40B4-BE49-F238E27FC236}">
+                <a16:creationId xmlns:a16="http://schemas.microsoft.com/office/drawing/2014/main" id="{D2C8595F-9C2D-A9F1-FC9F-FACB0306152F}"/>
+              </a:ext>
+            </a:extLst>
+          </p:cNvPr>
+          <p:cNvSpPr/>
+          <p:nvPr/>
         </p:nvSpPr>
         <p:spPr>
           <a:xfrm>
-            <a:off x="793660" y="2599509"/>
-            <a:ext cx="10143668" cy="3435531"/>
-          </a:xfrm>
-        </p:spPr>
-        <p:txBody>
-          <a:bodyPr anchor="ctr">
-            <a:normAutofit/>
-          </a:bodyPr>
-          <a:lstStyle/>
-          <a:p>
-            <a:r>
-              <a:rPr lang="en-US" sz="2400" dirty="0"/>
-              <a:t>Build: Java SDK 23 + Maven 4</a:t>
-            </a:r>
-          </a:p>
-          <a:p>
-            <a:r>
-              <a:rPr lang="en-US" sz="2400" dirty="0"/>
-              <a:t>Dependencies: Hibernate, JPA Jakarta, </a:t>
-            </a:r>
-            <a:r>
-              <a:rPr lang="en-US" sz="2400" dirty="0" err="1"/>
-              <a:t>postgresql</a:t>
-            </a:r>
-            <a:r>
-              <a:rPr lang="en-US" sz="2400" dirty="0"/>
-              <a:t>, </a:t>
-            </a:r>
-            <a:r>
-              <a:rPr lang="en-US" sz="2400" dirty="0" err="1"/>
-              <a:t>HikariCP</a:t>
-            </a:r>
-            <a:endParaRPr lang="en-US" sz="2400" dirty="0"/>
-          </a:p>
-          <a:p>
-            <a:r>
-              <a:rPr lang="en-US" sz="2400" dirty="0"/>
-              <a:t>Link: </a:t>
-            </a:r>
-            <a:r>
-              <a:rPr lang="en-US" sz="2400" dirty="0">
-                <a:hlinkClick r:id="rId2"/>
-              </a:rPr>
-              <a:t>https://github.com/PapayaSupreme/SkiResort</a:t>
-            </a:r>
-            <a:endParaRPr lang="en-US" sz="2400" dirty="0"/>
-          </a:p>
-        </p:txBody>
-      </p:sp>
-      <p:pic>
-        <p:nvPicPr>
-          <p:cNvPr id="2052" name="Picture 4" descr="Java Logo transparent PNG - StickPNG">
-            <a:extLst>
-              <a:ext uri="{FF2B5EF4-FFF2-40B4-BE49-F238E27FC236}">
-                <a16:creationId xmlns:a16="http://schemas.microsoft.com/office/drawing/2014/main" id="{CC9DB8CD-82F8-6305-9ED8-9EEEED4CB614}"/>
-              </a:ext>
-            </a:extLst>
-          </p:cNvPr>
-          <p:cNvPicPr>
-            <a:picLocks noChangeAspect="1" noChangeArrowheads="1"/>
-          </p:cNvPicPr>
-          <p:nvPr/>
-        </p:nvPicPr>
-        <p:blipFill>
-          <a:blip r:embed="rId3">
-            <a:extLst>
-              <a:ext uri="{28A0092B-C50C-407E-A947-70E740481C1C}">
-                <a14:useLocalDpi xmlns:a14="http://schemas.microsoft.com/office/drawing/2010/main" val="0"/>
-              </a:ext>
-            </a:extLst>
-          </a:blip>
-          <a:srcRect/>
-          <a:stretch>
-            <a:fillRect/>
-          </a:stretch>
-        </p:blipFill>
-        <p:spPr bwMode="auto">
-          <a:xfrm>
-            <a:off x="5426988" y="179392"/>
-            <a:ext cx="1059379" cy="1432632"/>
+            <a:off x="5585460" y="6007511"/>
+            <a:ext cx="1221740" cy="501444"/>
           </a:xfrm>
           <a:prstGeom prst="rect">
             <a:avLst/>
           </a:prstGeom>
           <a:noFill/>
-          <a:extLst>
-            <a:ext uri="{909E8E84-426E-40DD-AFC4-6F175D3DCCD1}">
-              <a14:hiddenFill xmlns:a14="http://schemas.microsoft.com/office/drawing/2010/main">
-                <a:solidFill>
-                  <a:srgbClr val="FFFFFF"/>
-                </a:solidFill>
-              </a14:hiddenFill>
-            </a:ext>
-          </a:extLst>
-        </p:spPr>
-      </p:pic>
-      <p:pic>
-        <p:nvPicPr>
-          <p:cNvPr id="2054" name="Picture 6">
-            <a:extLst>
-              <a:ext uri="{FF2B5EF4-FFF2-40B4-BE49-F238E27FC236}">
-                <a16:creationId xmlns:a16="http://schemas.microsoft.com/office/drawing/2014/main" id="{514720E6-B6AC-675F-AA67-444744462A94}"/>
-              </a:ext>
-            </a:extLst>
-          </p:cNvPr>
-          <p:cNvPicPr>
-            <a:picLocks noChangeAspect="1" noChangeArrowheads="1"/>
-          </p:cNvPicPr>
+          <a:ln w="57150">
+            <a:solidFill>
+              <a:srgbClr val="FFC000"/>
+            </a:solidFill>
+          </a:ln>
+        </p:spPr>
+        <p:style>
+          <a:lnRef idx="2">
+            <a:schemeClr val="accent1">
+              <a:shade val="15000"/>
+            </a:schemeClr>
+          </a:lnRef>
+          <a:fillRef idx="1">
+            <a:schemeClr val="accent1"/>
+          </a:fillRef>
+          <a:effectRef idx="0">
+            <a:schemeClr val="accent1"/>
+          </a:effectRef>
+          <a:fontRef idx="minor">
+            <a:schemeClr val="lt1"/>
+          </a:fontRef>
+        </p:style>
+        <p:txBody>
+          <a:bodyPr rtlCol="0" anchor="ctr"/>
+          <a:lstStyle/>
+          <a:p>
+            <a:pPr algn="ctr"/>
+            <a:endParaRPr lang="en-US"/>
+          </a:p>
+        </p:txBody>
+      </p:sp>
+      <p:sp>
+        <p:nvSpPr>
+          <p:cNvPr id="8" name="Rectangle 7">
+            <a:extLst>
+              <a:ext uri="{FF2B5EF4-FFF2-40B4-BE49-F238E27FC236}">
+                <a16:creationId xmlns:a16="http://schemas.microsoft.com/office/drawing/2014/main" id="{A26CB0DD-F87A-3682-1FA9-870D50FEC57C}"/>
+              </a:ext>
+            </a:extLst>
+          </p:cNvPr>
+          <p:cNvSpPr/>
           <p:nvPr/>
-        </p:nvPicPr>
-        <p:blipFill>
-          <a:blip r:embed="rId4">
-            <a:extLst>
-              <a:ext uri="{28A0092B-C50C-407E-A947-70E740481C1C}">
-                <a14:useLocalDpi xmlns:a14="http://schemas.microsoft.com/office/drawing/2010/main" val="0"/>
-              </a:ext>
-            </a:extLst>
-          </a:blip>
-          <a:srcRect/>
-          <a:stretch>
-            <a:fillRect/>
-          </a:stretch>
-        </p:blipFill>
-        <p:spPr bwMode="auto">
-          <a:xfrm>
-            <a:off x="7367332" y="245754"/>
-            <a:ext cx="1461332" cy="1507337"/>
+        </p:nvSpPr>
+        <p:spPr>
+          <a:xfrm>
+            <a:off x="4753369" y="6007510"/>
+            <a:ext cx="715251" cy="613204"/>
           </a:xfrm>
           <a:prstGeom prst="rect">
             <a:avLst/>
           </a:prstGeom>
           <a:noFill/>
-          <a:extLst>
-            <a:ext uri="{909E8E84-426E-40DD-AFC4-6F175D3DCCD1}">
-              <a14:hiddenFill xmlns:a14="http://schemas.microsoft.com/office/drawing/2010/main">
-                <a:solidFill>
-                  <a:srgbClr val="FFFFFF"/>
-                </a:solidFill>
-              </a14:hiddenFill>
-            </a:ext>
-          </a:extLst>
-        </p:spPr>
-      </p:pic>
-      <p:pic>
-        <p:nvPicPr>
-          <p:cNvPr id="2056" name="Picture 8" descr="Hibernate Logo transparent PNG - StickPNG">
-            <a:extLst>
-              <a:ext uri="{FF2B5EF4-FFF2-40B4-BE49-F238E27FC236}">
-                <a16:creationId xmlns:a16="http://schemas.microsoft.com/office/drawing/2014/main" id="{A60262A1-5A73-5235-815B-D4E013654E71}"/>
-              </a:ext>
-            </a:extLst>
-          </p:cNvPr>
-          <p:cNvPicPr>
-            <a:picLocks noChangeAspect="1" noChangeArrowheads="1"/>
-          </p:cNvPicPr>
+          <a:ln w="57150">
+            <a:solidFill>
+              <a:srgbClr val="FFC000"/>
+            </a:solidFill>
+          </a:ln>
+        </p:spPr>
+        <p:style>
+          <a:lnRef idx="2">
+            <a:schemeClr val="accent1">
+              <a:shade val="15000"/>
+            </a:schemeClr>
+          </a:lnRef>
+          <a:fillRef idx="1">
+            <a:schemeClr val="accent1"/>
+          </a:fillRef>
+          <a:effectRef idx="0">
+            <a:schemeClr val="accent1"/>
+          </a:effectRef>
+          <a:fontRef idx="minor">
+            <a:schemeClr val="lt1"/>
+          </a:fontRef>
+        </p:style>
+        <p:txBody>
+          <a:bodyPr rtlCol="0" anchor="ctr"/>
+          <a:lstStyle/>
+          <a:p>
+            <a:pPr algn="ctr"/>
+            <a:endParaRPr lang="en-US"/>
+          </a:p>
+        </p:txBody>
+      </p:sp>
+      <p:sp>
+        <p:nvSpPr>
+          <p:cNvPr id="9" name="Rectangle 8">
+            <a:extLst>
+              <a:ext uri="{FF2B5EF4-FFF2-40B4-BE49-F238E27FC236}">
+                <a16:creationId xmlns:a16="http://schemas.microsoft.com/office/drawing/2014/main" id="{D3D48C3D-B935-FB3B-2CAC-752925F5B4D6}"/>
+              </a:ext>
+            </a:extLst>
+          </p:cNvPr>
+          <p:cNvSpPr/>
           <p:nvPr/>
-        </p:nvPicPr>
-        <p:blipFill>
-          <a:blip r:embed="rId5">
-            <a:extLst>
-              <a:ext uri="{28A0092B-C50C-407E-A947-70E740481C1C}">
-                <a14:useLocalDpi xmlns:a14="http://schemas.microsoft.com/office/drawing/2010/main" val="0"/>
-              </a:ext>
-            </a:extLst>
-          </a:blip>
-          <a:srcRect/>
-          <a:stretch>
-            <a:fillRect/>
-          </a:stretch>
-        </p:blipFill>
-        <p:spPr bwMode="auto">
-          <a:xfrm>
-            <a:off x="9218410" y="475190"/>
-            <a:ext cx="1092155" cy="1136834"/>
+        </p:nvSpPr>
+        <p:spPr>
+          <a:xfrm>
+            <a:off x="7007364" y="6007510"/>
+            <a:ext cx="1019036" cy="789530"/>
           </a:xfrm>
           <a:prstGeom prst="rect">
             <a:avLst/>
           </a:prstGeom>
           <a:noFill/>
-          <a:extLst>
-            <a:ext uri="{909E8E84-426E-40DD-AFC4-6F175D3DCCD1}">
-              <a14:hiddenFill xmlns:a14="http://schemas.microsoft.com/office/drawing/2010/main">
-                <a:solidFill>
-                  <a:srgbClr val="FFFFFF"/>
-                </a:solidFill>
-              </a14:hiddenFill>
-            </a:ext>
-          </a:extLst>
-        </p:spPr>
-      </p:pic>
-      <p:pic>
-        <p:nvPicPr>
-          <p:cNvPr id="2060" name="Picture 12" descr="Download HD Written Kanji Hikari Png Written Kanji Hikari ...">
-            <a:extLst>
-              <a:ext uri="{FF2B5EF4-FFF2-40B4-BE49-F238E27FC236}">
-                <a16:creationId xmlns:a16="http://schemas.microsoft.com/office/drawing/2014/main" id="{994584F3-9D2A-1A00-3E62-BADD82286833}"/>
-              </a:ext>
-            </a:extLst>
-          </p:cNvPr>
-          <p:cNvPicPr>
-            <a:picLocks noChangeAspect="1" noChangeArrowheads="1"/>
-          </p:cNvPicPr>
+          <a:ln w="57150">
+            <a:solidFill>
+              <a:srgbClr val="FFC000"/>
+            </a:solidFill>
+          </a:ln>
+        </p:spPr>
+        <p:style>
+          <a:lnRef idx="2">
+            <a:schemeClr val="accent1">
+              <a:shade val="15000"/>
+            </a:schemeClr>
+          </a:lnRef>
+          <a:fillRef idx="1">
+            <a:schemeClr val="accent1"/>
+          </a:fillRef>
+          <a:effectRef idx="0">
+            <a:schemeClr val="accent1"/>
+          </a:effectRef>
+          <a:fontRef idx="minor">
+            <a:schemeClr val="lt1"/>
+          </a:fontRef>
+        </p:style>
+        <p:txBody>
+          <a:bodyPr rtlCol="0" anchor="ctr"/>
+          <a:lstStyle/>
+          <a:p>
+            <a:pPr algn="ctr"/>
+            <a:endParaRPr lang="en-US"/>
+          </a:p>
+        </p:txBody>
+      </p:sp>
+      <p:sp>
+        <p:nvSpPr>
+          <p:cNvPr id="10" name="Rectangle 9">
+            <a:extLst>
+              <a:ext uri="{FF2B5EF4-FFF2-40B4-BE49-F238E27FC236}">
+                <a16:creationId xmlns:a16="http://schemas.microsoft.com/office/drawing/2014/main" id="{36468E9E-0969-06CA-20AF-A02E33520A0C}"/>
+              </a:ext>
+            </a:extLst>
+          </p:cNvPr>
+          <p:cNvSpPr/>
           <p:nvPr/>
-        </p:nvPicPr>
-        <p:blipFill>
-          <a:blip r:embed="rId6">
-            <a:extLst>
-              <a:ext uri="{28A0092B-C50C-407E-A947-70E740481C1C}">
-                <a14:useLocalDpi xmlns:a14="http://schemas.microsoft.com/office/drawing/2010/main" val="0"/>
-              </a:ext>
-            </a:extLst>
-          </a:blip>
-          <a:srcRect/>
-          <a:stretch>
-            <a:fillRect/>
-          </a:stretch>
-        </p:blipFill>
-        <p:spPr bwMode="auto">
-          <a:xfrm>
-            <a:off x="10636688" y="408507"/>
-            <a:ext cx="1229187" cy="1180878"/>
+        </p:nvSpPr>
+        <p:spPr>
+          <a:xfrm>
+            <a:off x="8222721" y="1129650"/>
+            <a:ext cx="721253" cy="386729"/>
           </a:xfrm>
           <a:prstGeom prst="rect">
             <a:avLst/>
           </a:prstGeom>
           <a:noFill/>
-          <a:extLst>
-            <a:ext uri="{909E8E84-426E-40DD-AFC4-6F175D3DCCD1}">
-              <a14:hiddenFill xmlns:a14="http://schemas.microsoft.com/office/drawing/2010/main">
-                <a:solidFill>
-                  <a:srgbClr val="FFFFFF"/>
-                </a:solidFill>
-              </a14:hiddenFill>
-            </a:ext>
-          </a:extLst>
-        </p:spPr>
-      </p:pic>
+          <a:ln w="57150">
+            <a:solidFill>
+              <a:schemeClr val="bg2">
+                <a:lumMod val="50000"/>
+              </a:schemeClr>
+            </a:solidFill>
+          </a:ln>
+        </p:spPr>
+        <p:style>
+          <a:lnRef idx="2">
+            <a:schemeClr val="accent1">
+              <a:shade val="15000"/>
+            </a:schemeClr>
+          </a:lnRef>
+          <a:fillRef idx="1">
+            <a:schemeClr val="accent1"/>
+          </a:fillRef>
+          <a:effectRef idx="0">
+            <a:schemeClr val="accent1"/>
+          </a:effectRef>
+          <a:fontRef idx="minor">
+            <a:schemeClr val="lt1"/>
+          </a:fontRef>
+        </p:style>
+        <p:txBody>
+          <a:bodyPr rtlCol="0" anchor="ctr"/>
+          <a:lstStyle/>
+          <a:p>
+            <a:pPr algn="ctr"/>
+            <a:endParaRPr lang="en-US"/>
+          </a:p>
+        </p:txBody>
+      </p:sp>
+      <p:sp>
+        <p:nvSpPr>
+          <p:cNvPr id="11" name="Rectangle 10">
+            <a:extLst>
+              <a:ext uri="{FF2B5EF4-FFF2-40B4-BE49-F238E27FC236}">
+                <a16:creationId xmlns:a16="http://schemas.microsoft.com/office/drawing/2014/main" id="{78B59C4B-E034-A892-4D05-F74F3489A338}"/>
+              </a:ext>
+            </a:extLst>
+          </p:cNvPr>
+          <p:cNvSpPr/>
+          <p:nvPr/>
+        </p:nvSpPr>
+        <p:spPr>
+          <a:xfrm>
+            <a:off x="9241896" y="1129650"/>
+            <a:ext cx="721253" cy="386729"/>
+          </a:xfrm>
+          <a:prstGeom prst="rect">
+            <a:avLst/>
+          </a:prstGeom>
+          <a:noFill/>
+          <a:ln w="57150">
+            <a:solidFill>
+              <a:schemeClr val="bg2">
+                <a:lumMod val="50000"/>
+              </a:schemeClr>
+            </a:solidFill>
+          </a:ln>
+        </p:spPr>
+        <p:style>
+          <a:lnRef idx="2">
+            <a:schemeClr val="accent1">
+              <a:shade val="15000"/>
+            </a:schemeClr>
+          </a:lnRef>
+          <a:fillRef idx="1">
+            <a:schemeClr val="accent1"/>
+          </a:fillRef>
+          <a:effectRef idx="0">
+            <a:schemeClr val="accent1"/>
+          </a:effectRef>
+          <a:fontRef idx="minor">
+            <a:schemeClr val="lt1"/>
+          </a:fontRef>
+        </p:style>
+        <p:txBody>
+          <a:bodyPr rtlCol="0" anchor="ctr"/>
+          <a:lstStyle/>
+          <a:p>
+            <a:pPr algn="ctr"/>
+            <a:endParaRPr lang="en-US"/>
+          </a:p>
+        </p:txBody>
+      </p:sp>
+      <p:sp>
+        <p:nvSpPr>
+          <p:cNvPr id="12" name="Rectangle 11">
+            <a:extLst>
+              <a:ext uri="{FF2B5EF4-FFF2-40B4-BE49-F238E27FC236}">
+                <a16:creationId xmlns:a16="http://schemas.microsoft.com/office/drawing/2014/main" id="{74145099-2AA1-2C51-2F73-1E2E3E7B6ABD}"/>
+              </a:ext>
+            </a:extLst>
+          </p:cNvPr>
+          <p:cNvSpPr/>
+          <p:nvPr/>
+        </p:nvSpPr>
+        <p:spPr>
+          <a:xfrm>
+            <a:off x="9788576" y="5346701"/>
+            <a:ext cx="349145" cy="205739"/>
+          </a:xfrm>
+          <a:prstGeom prst="rect">
+            <a:avLst/>
+          </a:prstGeom>
+          <a:noFill/>
+          <a:ln w="57150">
+            <a:solidFill>
+              <a:schemeClr val="bg2">
+                <a:lumMod val="50000"/>
+              </a:schemeClr>
+            </a:solidFill>
+          </a:ln>
+        </p:spPr>
+        <p:style>
+          <a:lnRef idx="2">
+            <a:schemeClr val="accent1">
+              <a:shade val="15000"/>
+            </a:schemeClr>
+          </a:lnRef>
+          <a:fillRef idx="1">
+            <a:schemeClr val="accent1"/>
+          </a:fillRef>
+          <a:effectRef idx="0">
+            <a:schemeClr val="accent1"/>
+          </a:effectRef>
+          <a:fontRef idx="minor">
+            <a:schemeClr val="lt1"/>
+          </a:fontRef>
+        </p:style>
+        <p:txBody>
+          <a:bodyPr rtlCol="0" anchor="ctr"/>
+          <a:lstStyle/>
+          <a:p>
+            <a:pPr algn="ctr"/>
+            <a:endParaRPr lang="en-US"/>
+          </a:p>
+        </p:txBody>
+      </p:sp>
+      <p:sp>
+        <p:nvSpPr>
+          <p:cNvPr id="13" name="Rectangle 12">
+            <a:extLst>
+              <a:ext uri="{FF2B5EF4-FFF2-40B4-BE49-F238E27FC236}">
+                <a16:creationId xmlns:a16="http://schemas.microsoft.com/office/drawing/2014/main" id="{8C50FED1-6E64-B36D-B623-4796385889AB}"/>
+              </a:ext>
+            </a:extLst>
+          </p:cNvPr>
+          <p:cNvSpPr/>
+          <p:nvPr/>
+        </p:nvSpPr>
+        <p:spPr>
+          <a:xfrm>
+            <a:off x="9788576" y="5856418"/>
+            <a:ext cx="349145" cy="205739"/>
+          </a:xfrm>
+          <a:prstGeom prst="rect">
+            <a:avLst/>
+          </a:prstGeom>
+          <a:noFill/>
+          <a:ln w="57150">
+            <a:solidFill>
+              <a:srgbClr val="FFC000"/>
+            </a:solidFill>
+          </a:ln>
+        </p:spPr>
+        <p:style>
+          <a:lnRef idx="2">
+            <a:schemeClr val="accent1">
+              <a:shade val="15000"/>
+            </a:schemeClr>
+          </a:lnRef>
+          <a:fillRef idx="1">
+            <a:schemeClr val="accent1"/>
+          </a:fillRef>
+          <a:effectRef idx="0">
+            <a:schemeClr val="accent1"/>
+          </a:effectRef>
+          <a:fontRef idx="minor">
+            <a:schemeClr val="lt1"/>
+          </a:fontRef>
+        </p:style>
+        <p:txBody>
+          <a:bodyPr rtlCol="0" anchor="ctr"/>
+          <a:lstStyle/>
+          <a:p>
+            <a:pPr algn="ctr"/>
+            <a:endParaRPr lang="en-US"/>
+          </a:p>
+        </p:txBody>
+      </p:sp>
+      <p:sp>
+        <p:nvSpPr>
+          <p:cNvPr id="14" name="Rectangle 13">
+            <a:extLst>
+              <a:ext uri="{FF2B5EF4-FFF2-40B4-BE49-F238E27FC236}">
+                <a16:creationId xmlns:a16="http://schemas.microsoft.com/office/drawing/2014/main" id="{0AEBB2DE-6FCB-F378-B2B0-13CCB887409E}"/>
+              </a:ext>
+            </a:extLst>
+          </p:cNvPr>
+          <p:cNvSpPr/>
+          <p:nvPr/>
+        </p:nvSpPr>
+        <p:spPr>
+          <a:xfrm>
+            <a:off x="9788576" y="6366135"/>
+            <a:ext cx="349145" cy="205739"/>
+          </a:xfrm>
+          <a:prstGeom prst="rect">
+            <a:avLst/>
+          </a:prstGeom>
+          <a:noFill/>
+          <a:ln w="57150">
+            <a:solidFill>
+              <a:srgbClr val="00B050"/>
+            </a:solidFill>
+          </a:ln>
+        </p:spPr>
+        <p:style>
+          <a:lnRef idx="2">
+            <a:schemeClr val="accent1">
+              <a:shade val="15000"/>
+            </a:schemeClr>
+          </a:lnRef>
+          <a:fillRef idx="1">
+            <a:schemeClr val="accent1"/>
+          </a:fillRef>
+          <a:effectRef idx="0">
+            <a:schemeClr val="accent1"/>
+          </a:effectRef>
+          <a:fontRef idx="minor">
+            <a:schemeClr val="lt1"/>
+          </a:fontRef>
+        </p:style>
+        <p:txBody>
+          <a:bodyPr rtlCol="0" anchor="ctr"/>
+          <a:lstStyle/>
+          <a:p>
+            <a:pPr algn="ctr"/>
+            <a:endParaRPr lang="en-US"/>
+          </a:p>
+        </p:txBody>
+      </p:sp>
+      <p:sp>
+        <p:nvSpPr>
+          <p:cNvPr id="15" name="TextBox 14">
+            <a:extLst>
+              <a:ext uri="{FF2B5EF4-FFF2-40B4-BE49-F238E27FC236}">
+                <a16:creationId xmlns:a16="http://schemas.microsoft.com/office/drawing/2014/main" id="{61761DB6-48ED-E861-9A7E-E4CEDA040B90}"/>
+              </a:ext>
+            </a:extLst>
+          </p:cNvPr>
+          <p:cNvSpPr txBox="1"/>
+          <p:nvPr/>
+        </p:nvSpPr>
+        <p:spPr>
+          <a:xfrm>
+            <a:off x="10363200" y="6284338"/>
+            <a:ext cx="1356360" cy="369332"/>
+          </a:xfrm>
+          <a:prstGeom prst="rect">
+            <a:avLst/>
+          </a:prstGeom>
+          <a:noFill/>
+        </p:spPr>
+        <p:txBody>
+          <a:bodyPr wrap="square" rtlCol="0">
+            <a:spAutoFit/>
+          </a:bodyPr>
+          <a:lstStyle/>
+          <a:p>
+            <a:r>
+              <a:rPr lang="en-US" dirty="0"/>
+              <a:t>Interface</a:t>
+            </a:r>
+          </a:p>
+        </p:txBody>
+      </p:sp>
+      <p:sp>
+        <p:nvSpPr>
+          <p:cNvPr id="16" name="TextBox 15">
+            <a:extLst>
+              <a:ext uri="{FF2B5EF4-FFF2-40B4-BE49-F238E27FC236}">
+                <a16:creationId xmlns:a16="http://schemas.microsoft.com/office/drawing/2014/main" id="{AFF45C15-8C80-AE6C-F85D-E5D4071C14C2}"/>
+              </a:ext>
+            </a:extLst>
+          </p:cNvPr>
+          <p:cNvSpPr txBox="1"/>
+          <p:nvPr/>
+        </p:nvSpPr>
+        <p:spPr>
+          <a:xfrm>
+            <a:off x="10363200" y="5774621"/>
+            <a:ext cx="1356360" cy="369332"/>
+          </a:xfrm>
+          <a:prstGeom prst="rect">
+            <a:avLst/>
+          </a:prstGeom>
+          <a:noFill/>
+        </p:spPr>
+        <p:txBody>
+          <a:bodyPr wrap="square" rtlCol="0">
+            <a:spAutoFit/>
+          </a:bodyPr>
+          <a:lstStyle/>
+          <a:p>
+            <a:r>
+              <a:rPr lang="en-US" dirty="0"/>
+              <a:t>Enum</a:t>
+            </a:r>
+          </a:p>
+        </p:txBody>
+      </p:sp>
+      <p:sp>
+        <p:nvSpPr>
+          <p:cNvPr id="17" name="TextBox 16">
+            <a:extLst>
+              <a:ext uri="{FF2B5EF4-FFF2-40B4-BE49-F238E27FC236}">
+                <a16:creationId xmlns:a16="http://schemas.microsoft.com/office/drawing/2014/main" id="{1515499C-776F-4354-A4DA-5081B797B321}"/>
+              </a:ext>
+            </a:extLst>
+          </p:cNvPr>
+          <p:cNvSpPr txBox="1"/>
+          <p:nvPr/>
+        </p:nvSpPr>
+        <p:spPr>
+          <a:xfrm>
+            <a:off x="10363200" y="5264904"/>
+            <a:ext cx="1356360" cy="369332"/>
+          </a:xfrm>
+          <a:prstGeom prst="rect">
+            <a:avLst/>
+          </a:prstGeom>
+          <a:noFill/>
+        </p:spPr>
+        <p:txBody>
+          <a:bodyPr wrap="square" rtlCol="0">
+            <a:spAutoFit/>
+          </a:bodyPr>
+          <a:lstStyle/>
+          <a:p>
+            <a:r>
+              <a:rPr lang="en-US" dirty="0"/>
+              <a:t>JPA Class</a:t>
+            </a:r>
+          </a:p>
+        </p:txBody>
+      </p:sp>
     </p:spTree>
     <p:extLst>
       <p:ext uri="{BB962C8B-B14F-4D97-AF65-F5344CB8AC3E}">
-        <p14:creationId xmlns:p14="http://schemas.microsoft.com/office/powerpoint/2010/main" val="3924966114"/>
+        <p14:creationId xmlns:p14="http://schemas.microsoft.com/office/powerpoint/2010/main" val="1867167788"/>
       </p:ext>
     </p:extLst>
   </p:cSld>

--- a/Ski Resort.pptx
+++ b/Ski Resort.pptx
@@ -203,33 +203,6 @@
 </inkml:ink>
 </file>
 
-<file path=ppt/ink/ink4.xml><?xml version="1.0" encoding="utf-8"?>
-<inkml:ink xmlns:inkml="http://www.w3.org/2003/InkML">
-  <inkml:definitions>
-    <inkml:context xml:id="ctx0">
-      <inkml:inkSource xml:id="inkSrc0">
-        <inkml:traceFormat>
-          <inkml:channel name="X" type="integer" min="-2.14748E9" max="2.14748E9" units="cm"/>
-          <inkml:channel name="Y" type="integer" min="-2.14748E9" max="2.14748E9" units="cm"/>
-          <inkml:channel name="F" type="integer" max="32767" units="dev"/>
-        </inkml:traceFormat>
-        <inkml:channelProperties>
-          <inkml:channelProperty channel="X" name="resolution" value="1000" units="1/cm"/>
-          <inkml:channelProperty channel="Y" name="resolution" value="1000" units="1/cm"/>
-          <inkml:channelProperty channel="F" name="resolution" value="0" units="1/dev"/>
-        </inkml:channelProperties>
-      </inkml:inkSource>
-      <inkml:timestamp xml:id="ts0" timeString="2025-11-14T14:00:24.574"/>
-    </inkml:context>
-    <inkml:brush xml:id="br0">
-      <inkml:brushProperty name="width" value="0.05" units="cm"/>
-      <inkml:brushProperty name="height" value="0.05" units="cm"/>
-    </inkml:brush>
-  </inkml:definitions>
-  <inkml:trace contextRef="#ctx0" brushRef="#br0">0 1 24575,'0'1'0,"1"0"0,3 1 0,1 0 0,1 1 0,0-1 0,0-1 0,0 2 0,1-1 0,0-1 0,-1 3 0,0 0 0,0 0 0,-1 0 0,1-1 0</inkml:trace>
-</inkml:ink>
-</file>
-
 <file path=ppt/slideLayouts/slideLayout1.xml><?xml version="1.0" encoding="utf-8"?>
 <p:sldLayout xmlns:a="http://schemas.openxmlformats.org/drawingml/2006/main" xmlns:r="http://schemas.openxmlformats.org/officeDocument/2006/relationships" xmlns:p="http://schemas.openxmlformats.org/presentationml/2006/main" type="title" preserve="1">
   <p:cSld name="Title Slide">
@@ -379,7 +352,7 @@
           <a:p>
             <a:fld id="{A401C85C-828C-4CE0-B0B6-00CF5569B46A}" type="datetimeFigureOut">
               <a:rPr lang="fr-FR" smtClean="0"/>
-              <a:t>16/11/2025</a:t>
+              <a:t>17/11/2025</a:t>
             </a:fld>
             <a:endParaRPr lang="fr-FR"/>
           </a:p>
@@ -579,7 +552,7 @@
           <a:p>
             <a:fld id="{A401C85C-828C-4CE0-B0B6-00CF5569B46A}" type="datetimeFigureOut">
               <a:rPr lang="fr-FR" smtClean="0"/>
-              <a:t>16/11/2025</a:t>
+              <a:t>17/11/2025</a:t>
             </a:fld>
             <a:endParaRPr lang="fr-FR"/>
           </a:p>
@@ -789,7 +762,7 @@
           <a:p>
             <a:fld id="{A401C85C-828C-4CE0-B0B6-00CF5569B46A}" type="datetimeFigureOut">
               <a:rPr lang="fr-FR" smtClean="0"/>
-              <a:t>16/11/2025</a:t>
+              <a:t>17/11/2025</a:t>
             </a:fld>
             <a:endParaRPr lang="fr-FR"/>
           </a:p>
@@ -989,7 +962,7 @@
           <a:p>
             <a:fld id="{A401C85C-828C-4CE0-B0B6-00CF5569B46A}" type="datetimeFigureOut">
               <a:rPr lang="fr-FR" smtClean="0"/>
-              <a:t>16/11/2025</a:t>
+              <a:t>17/11/2025</a:t>
             </a:fld>
             <a:endParaRPr lang="fr-FR"/>
           </a:p>
@@ -1265,7 +1238,7 @@
           <a:p>
             <a:fld id="{A401C85C-828C-4CE0-B0B6-00CF5569B46A}" type="datetimeFigureOut">
               <a:rPr lang="fr-FR" smtClean="0"/>
-              <a:t>16/11/2025</a:t>
+              <a:t>17/11/2025</a:t>
             </a:fld>
             <a:endParaRPr lang="fr-FR"/>
           </a:p>
@@ -1533,7 +1506,7 @@
           <a:p>
             <a:fld id="{A401C85C-828C-4CE0-B0B6-00CF5569B46A}" type="datetimeFigureOut">
               <a:rPr lang="fr-FR" smtClean="0"/>
-              <a:t>16/11/2025</a:t>
+              <a:t>17/11/2025</a:t>
             </a:fld>
             <a:endParaRPr lang="fr-FR"/>
           </a:p>
@@ -1948,7 +1921,7 @@
           <a:p>
             <a:fld id="{A401C85C-828C-4CE0-B0B6-00CF5569B46A}" type="datetimeFigureOut">
               <a:rPr lang="fr-FR" smtClean="0"/>
-              <a:t>16/11/2025</a:t>
+              <a:t>17/11/2025</a:t>
             </a:fld>
             <a:endParaRPr lang="fr-FR"/>
           </a:p>
@@ -2090,7 +2063,7 @@
           <a:p>
             <a:fld id="{A401C85C-828C-4CE0-B0B6-00CF5569B46A}" type="datetimeFigureOut">
               <a:rPr lang="fr-FR" smtClean="0"/>
-              <a:t>16/11/2025</a:t>
+              <a:t>17/11/2025</a:t>
             </a:fld>
             <a:endParaRPr lang="fr-FR"/>
           </a:p>
@@ -2203,7 +2176,7 @@
           <a:p>
             <a:fld id="{A401C85C-828C-4CE0-B0B6-00CF5569B46A}" type="datetimeFigureOut">
               <a:rPr lang="fr-FR" smtClean="0"/>
-              <a:t>16/11/2025</a:t>
+              <a:t>17/11/2025</a:t>
             </a:fld>
             <a:endParaRPr lang="fr-FR"/>
           </a:p>
@@ -2516,7 +2489,7 @@
           <a:p>
             <a:fld id="{A401C85C-828C-4CE0-B0B6-00CF5569B46A}" type="datetimeFigureOut">
               <a:rPr lang="fr-FR" smtClean="0"/>
-              <a:t>16/11/2025</a:t>
+              <a:t>17/11/2025</a:t>
             </a:fld>
             <a:endParaRPr lang="fr-FR"/>
           </a:p>
@@ -2805,7 +2778,7 @@
           <a:p>
             <a:fld id="{A401C85C-828C-4CE0-B0B6-00CF5569B46A}" type="datetimeFigureOut">
               <a:rPr lang="fr-FR" smtClean="0"/>
-              <a:t>16/11/2025</a:t>
+              <a:t>17/11/2025</a:t>
             </a:fld>
             <a:endParaRPr lang="fr-FR"/>
           </a:p>
@@ -3048,7 +3021,7 @@
           <a:p>
             <a:fld id="{A401C85C-828C-4CE0-B0B6-00CF5569B46A}" type="datetimeFigureOut">
               <a:rPr lang="fr-FR" smtClean="0"/>
-              <a:t>16/11/2025</a:t>
+              <a:t>17/11/2025</a:t>
             </a:fld>
             <a:endParaRPr lang="fr-FR"/>
           </a:p>
@@ -4324,12 +4297,8 @@
               <a:t>Dependencies: Hibernate, JPA Jakarta, </a:t>
             </a:r>
             <a:r>
-              <a:rPr lang="en-US" sz="2400" dirty="0" err="1"/>
-              <a:t>postgresql</a:t>
-            </a:r>
-            <a:r>
-              <a:rPr lang="en-US" sz="2400" dirty="0"/>
-              <a:t>, </a:t>
+              <a:rPr lang="en-US" sz="2400"/>
+              <a:t>postgreSQL, </a:t>
             </a:r>
             <a:r>
               <a:rPr lang="en-US" sz="2400" dirty="0" err="1"/>
@@ -5393,58 +5362,9 @@
         </p:spPr>
         <p:txBody>
           <a:bodyPr anchor="ctr">
-            <a:normAutofit/>
+            <a:normAutofit lnSpcReduction="10000"/>
           </a:bodyPr>
           <a:lstStyle/>
-          <a:p>
-            <a:pPr marL="0" indent="0">
-              <a:buNone/>
-            </a:pPr>
-            <a:r>
-              <a:rPr lang="fr-FR" sz="2200" dirty="0"/>
-              <a:t>A Java app </a:t>
-            </a:r>
-            <a:r>
-              <a:rPr lang="fr-FR" sz="2200" dirty="0" err="1"/>
-              <a:t>that</a:t>
-            </a:r>
-            <a:r>
-              <a:rPr lang="fr-FR" sz="2200" dirty="0"/>
-              <a:t> </a:t>
-            </a:r>
-            <a:r>
-              <a:rPr lang="fr-FR" sz="2200" dirty="0" err="1"/>
-              <a:t>handles</a:t>
-            </a:r>
-            <a:r>
-              <a:rPr lang="fr-FR" sz="2200" dirty="0"/>
-              <a:t> </a:t>
-            </a:r>
-            <a:r>
-              <a:rPr lang="fr-FR" sz="2200" dirty="0" err="1"/>
-              <a:t>everyday</a:t>
-            </a:r>
-            <a:r>
-              <a:rPr lang="fr-FR" sz="2200" dirty="0"/>
-              <a:t> </a:t>
-            </a:r>
-            <a:r>
-              <a:rPr lang="fr-FR" sz="2200" dirty="0" err="1"/>
-              <a:t>events</a:t>
-            </a:r>
-            <a:r>
-              <a:rPr lang="fr-FR" sz="2200" dirty="0"/>
-              <a:t> and routine checks of a ski </a:t>
-            </a:r>
-            <a:r>
-              <a:rPr lang="fr-FR" sz="2200" dirty="0" err="1"/>
-              <a:t>resort</a:t>
-            </a:r>
-            <a:r>
-              <a:rPr lang="fr-FR" sz="2200" dirty="0"/>
-              <a:t>.</a:t>
-            </a:r>
-          </a:p>
           <a:p>
             <a:pPr marL="0" indent="0">
               <a:buNone/>
@@ -5455,7 +5375,86 @@
             <a:pPr marL="0" indent="0">
               <a:buNone/>
             </a:pPr>
-            <a:endParaRPr lang="fr-FR" sz="2200" dirty="0"/>
+            <a:r>
+              <a:rPr lang="fr-FR" sz="2200" dirty="0"/>
+              <a:t>An app, </a:t>
+            </a:r>
+            <a:r>
+              <a:rPr lang="fr-FR" sz="2200" dirty="0" err="1"/>
+              <a:t>wrapping</a:t>
+            </a:r>
+            <a:r>
+              <a:rPr lang="fr-FR" sz="2200" dirty="0"/>
+              <a:t> </a:t>
+            </a:r>
+            <a:r>
+              <a:rPr lang="fr-FR" sz="2200" b="1" dirty="0"/>
+              <a:t>Java</a:t>
+            </a:r>
+            <a:r>
+              <a:rPr lang="fr-FR" sz="2200" dirty="0"/>
+              <a:t> software and </a:t>
+            </a:r>
+            <a:r>
+              <a:rPr lang="fr-FR" sz="2200" b="1" dirty="0"/>
+              <a:t>SQL</a:t>
+            </a:r>
+            <a:r>
+              <a:rPr lang="fr-FR" sz="2200" dirty="0"/>
+              <a:t> </a:t>
+            </a:r>
+            <a:r>
+              <a:rPr lang="fr-FR" sz="2200" dirty="0" err="1"/>
+              <a:t>database</a:t>
+            </a:r>
+            <a:r>
+              <a:rPr lang="fr-FR" sz="2200" dirty="0"/>
+              <a:t>, </a:t>
+            </a:r>
+            <a:r>
+              <a:rPr lang="fr-FR" sz="2200" dirty="0" err="1"/>
+              <a:t>that</a:t>
+            </a:r>
+            <a:r>
+              <a:rPr lang="fr-FR" sz="2200" dirty="0"/>
+              <a:t> </a:t>
+            </a:r>
+            <a:r>
+              <a:rPr lang="fr-FR" sz="2200" dirty="0" err="1"/>
+              <a:t>allows</a:t>
+            </a:r>
+            <a:r>
+              <a:rPr lang="fr-FR" sz="2200" dirty="0"/>
+              <a:t> management of a ski </a:t>
+            </a:r>
+            <a:r>
+              <a:rPr lang="fr-FR" sz="2200" dirty="0" err="1"/>
+              <a:t>resort</a:t>
+            </a:r>
+            <a:r>
+              <a:rPr lang="fr-FR" sz="2200" dirty="0"/>
+              <a:t>: </a:t>
+            </a:r>
+            <a:r>
+              <a:rPr lang="fr-FR" sz="2200" b="1" dirty="0" err="1"/>
+              <a:t>Guests</a:t>
+            </a:r>
+            <a:r>
+              <a:rPr lang="fr-FR" sz="2200" b="1" dirty="0"/>
+              <a:t> + Tickets </a:t>
+            </a:r>
+            <a:r>
+              <a:rPr lang="fr-FR" sz="2200" b="1" dirty="0" err="1"/>
+              <a:t>creation</a:t>
+            </a:r>
+            <a:r>
+              <a:rPr lang="fr-FR" sz="2200" b="1" dirty="0"/>
+              <a:t> and routine checks</a:t>
+            </a:r>
+            <a:r>
+              <a:rPr lang="fr-FR" sz="2200" dirty="0"/>
+              <a:t>.</a:t>
+            </a:r>
           </a:p>
           <a:p>
             <a:pPr marL="0" indent="0">
@@ -5467,16 +5466,83 @@
             <a:pPr marL="0" indent="0">
               <a:buNone/>
             </a:pPr>
+            <a:r>
+              <a:rPr lang="fr-FR" sz="2200" dirty="0"/>
+              <a:t>The app </a:t>
+            </a:r>
+            <a:r>
+              <a:rPr lang="fr-FR" sz="2200" dirty="0" err="1"/>
+              <a:t>mirrors</a:t>
+            </a:r>
+            <a:r>
+              <a:rPr lang="fr-FR" sz="2200" dirty="0"/>
+              <a:t> </a:t>
+            </a:r>
+            <a:r>
+              <a:rPr lang="fr-FR" sz="2200" dirty="0" err="1"/>
+              <a:t>current</a:t>
+            </a:r>
+            <a:r>
+              <a:rPr lang="fr-FR" sz="2200" dirty="0"/>
+              <a:t> </a:t>
+            </a:r>
+            <a:r>
+              <a:rPr lang="fr-FR" sz="2200" b="1" dirty="0"/>
+              <a:t>UML </a:t>
+            </a:r>
+            <a:r>
+              <a:rPr lang="fr-FR" sz="2200" b="1" dirty="0" err="1"/>
+              <a:t>industry</a:t>
+            </a:r>
+            <a:r>
+              <a:rPr lang="fr-FR" sz="2200" b="1" dirty="0"/>
+              <a:t> standards</a:t>
+            </a:r>
+            <a:r>
+              <a:rPr lang="fr-FR" sz="2200" dirty="0"/>
+              <a:t>, </a:t>
+            </a:r>
+            <a:r>
+              <a:rPr lang="fr-FR" sz="2200" dirty="0" err="1"/>
+              <a:t>such</a:t>
+            </a:r>
+            <a:r>
+              <a:rPr lang="fr-FR" sz="2200" dirty="0"/>
+              <a:t> as </a:t>
+            </a:r>
+            <a:r>
+              <a:rPr lang="fr-FR" sz="2200" b="1" dirty="0"/>
+              <a:t>MIP</a:t>
+            </a:r>
+            <a:r>
+              <a:rPr lang="fr-FR" sz="2200" dirty="0"/>
+              <a:t> and </a:t>
+            </a:r>
+            <a:r>
+              <a:rPr lang="fr-FR" sz="2200" b="1" dirty="0"/>
+              <a:t>no-HPE</a:t>
+            </a:r>
+            <a:r>
+              <a:rPr lang="fr-FR" sz="2200" dirty="0"/>
+              <a:t>.</a:t>
+            </a:r>
+          </a:p>
+          <a:p>
+            <a:pPr marL="0" indent="0">
+              <a:buNone/>
+            </a:pPr>
             <a:endParaRPr lang="fr-FR" sz="2200" dirty="0"/>
           </a:p>
           <a:p>
-            <a:r>
-              <a:rPr lang="fr-FR" sz="2200" dirty="0" err="1"/>
-              <a:t>Uml</a:t>
-            </a:r>
+            <a:pPr marL="0" indent="0">
+              <a:buNone/>
+            </a:pPr>
+            <a:endParaRPr lang="fr-FR" sz="2200" dirty="0"/>
+          </a:p>
+          <a:p>
             <a:r>
               <a:rPr lang="fr-FR" sz="2200" dirty="0"/>
-              <a:t> Tool </a:t>
+              <a:t>UML Model Tool </a:t>
             </a:r>
             <a:r>
               <a:rPr lang="fr-FR" sz="2200" dirty="0" err="1"/>
@@ -5484,32 +5550,17 @@
             </a:r>
             <a:r>
               <a:rPr lang="fr-FR" sz="2200" dirty="0"/>
-              <a:t>: Visual </a:t>
-            </a:r>
-            <a:r>
-              <a:rPr lang="fr-FR" sz="2200" dirty="0" err="1"/>
+              <a:t>: </a:t>
+            </a:r>
+            <a:r>
+              <a:rPr lang="fr-FR" sz="2200" b="1" dirty="0"/>
+              <a:t>Visual </a:t>
+            </a:r>
+            <a:r>
+              <a:rPr lang="fr-FR" sz="2200" b="1" dirty="0" err="1"/>
               <a:t>Paradigm</a:t>
             </a:r>
-            <a:endParaRPr lang="fr-FR" sz="2200" dirty="0"/>
-          </a:p>
-          <a:p>
-            <a:r>
-              <a:rPr lang="fr-FR" sz="2200" dirty="0"/>
-              <a:t>Actors: Person, Terrain, </a:t>
-            </a:r>
-            <a:r>
-              <a:rPr lang="fr-FR" sz="2200" dirty="0" err="1"/>
-              <a:t>Pass</a:t>
-            </a:r>
-            <a:r>
-              <a:rPr lang="fr-FR" sz="2200" dirty="0"/>
-              <a:t>, </a:t>
-            </a:r>
-            <a:r>
-              <a:rPr lang="fr-FR" sz="2200" dirty="0" err="1"/>
-              <a:t>Resort</a:t>
-            </a:r>
-            <a:endParaRPr lang="fr-FR" sz="2200" dirty="0"/>
+            <a:endParaRPr lang="fr-FR" sz="2200" b="1" dirty="0"/>
           </a:p>
           <a:p>
             <a:pPr marL="0" indent="0">
@@ -5659,35 +5710,35 @@
             <a:pPr lvl="1"/>
             <a:r>
               <a:rPr lang="en-US" dirty="0"/>
-              <a:t>Buy Pass</a:t>
+              <a:t>Buy</a:t>
             </a:r>
           </a:p>
           <a:p>
             <a:pPr lvl="1"/>
             <a:r>
               <a:rPr lang="en-US" dirty="0"/>
-              <a:t>Issue Pass</a:t>
+              <a:t>Issue</a:t>
             </a:r>
           </a:p>
           <a:p>
             <a:pPr lvl="1"/>
             <a:r>
               <a:rPr lang="en-US" dirty="0"/>
-              <a:t>Use Pass</a:t>
+              <a:t>Use</a:t>
             </a:r>
           </a:p>
           <a:p>
             <a:pPr lvl="1"/>
             <a:r>
               <a:rPr lang="en-US" dirty="0"/>
-              <a:t>Collect Pass Data</a:t>
+              <a:t>Scan </a:t>
             </a:r>
           </a:p>
           <a:p>
             <a:pPr lvl="1"/>
             <a:r>
               <a:rPr lang="en-US" dirty="0"/>
-              <a:t>Scan Pass </a:t>
+              <a:t>Collect Usage Metrics</a:t>
             </a:r>
           </a:p>
         </p:txBody>
@@ -5706,8 +5757,8 @@
         </p:nvSpPr>
         <p:spPr>
           <a:xfrm>
-            <a:off x="6853083" y="1905506"/>
-            <a:ext cx="5338917" cy="3046988"/>
+            <a:off x="6853083" y="1690105"/>
+            <a:ext cx="5338917" cy="3416320"/>
           </a:xfrm>
           <a:prstGeom prst="rect">
             <a:avLst/>
@@ -5736,7 +5787,7 @@
             </a:pPr>
             <a:r>
               <a:rPr lang="en-US" sz="2400" dirty="0"/>
-              <a:t>Advertise Discounted Day</a:t>
+              <a:t>Advertise</a:t>
             </a:r>
           </a:p>
           <a:p>
@@ -5746,7 +5797,7 @@
             </a:pPr>
             <a:r>
               <a:rPr lang="en-US" sz="2400" dirty="0"/>
-              <a:t>Suspend Pass</a:t>
+              <a:t>Suspend</a:t>
             </a:r>
           </a:p>
           <a:p>
@@ -5777,6 +5828,16 @@
             <a:r>
               <a:rPr lang="en-US" sz="2400" dirty="0"/>
               <a:t>Send Alert</a:t>
+            </a:r>
+          </a:p>
+          <a:p>
+            <a:pPr marL="742950" lvl="1" indent="-285750">
+              <a:buFont typeface="Arial" panose="020B0604020202020204" pitchFamily="34" charset="0"/>
+              <a:buChar char="•"/>
+            </a:pPr>
+            <a:r>
+              <a:rPr lang="en-US" sz="2400" dirty="0"/>
+              <a:t>Update Map</a:t>
             </a:r>
           </a:p>
           <a:p>
@@ -5839,7 +5900,7 @@
             </a:pPr>
             <a:r>
               <a:rPr lang="en-US" sz="2400" dirty="0"/>
-              <a:t>Create Person</a:t>
+              <a:t>Search</a:t>
             </a:r>
           </a:p>
           <a:p>
@@ -5849,7 +5910,7 @@
             </a:pPr>
             <a:r>
               <a:rPr lang="en-US" sz="2400" dirty="0"/>
-              <a:t>Search in Persons</a:t>
+              <a:t>Create</a:t>
             </a:r>
           </a:p>
           <a:p>
@@ -5872,7 +5933,7 @@
         <p:spPr>
           <a:xfrm>
             <a:off x="6853083" y="4671932"/>
-            <a:ext cx="4650658" cy="1569660"/>
+            <a:ext cx="4650658" cy="1938992"/>
           </a:xfrm>
           <a:prstGeom prst="rect">
             <a:avLst/>
@@ -5901,7 +5962,7 @@
             </a:pPr>
             <a:r>
               <a:rPr lang="en-US" sz="2400" dirty="0"/>
-              <a:t>Search in Terrain</a:t>
+              <a:t>Search</a:t>
             </a:r>
           </a:p>
           <a:p>
@@ -5911,8 +5972,12 @@
             </a:pPr>
             <a:r>
               <a:rPr lang="en-US" sz="2400" dirty="0"/>
-              <a:t>Log uses</a:t>
-            </a:r>
+              <a:t>Log Lift use</a:t>
+            </a:r>
+          </a:p>
+          <a:p>
+            <a:pPr lvl="1"/>
+            <a:endParaRPr lang="en-US" sz="2400" dirty="0"/>
           </a:p>
           <a:p>
             <a:pPr marL="742950" lvl="1" indent="-285750">
@@ -6001,7 +6066,7 @@
             </a:r>
             <a:r>
               <a:rPr lang="en-US" sz="5200" dirty="0"/>
-              <a:t> - Passes</a:t>
+              <a:t> – Passes (Simple)</a:t>
             </a:r>
             <a:endParaRPr lang="en-US" sz="5200" kern="1200" dirty="0">
               <a:solidFill>
@@ -6249,7 +6314,7 @@
             </a:r>
             <a:r>
               <a:rPr lang="en-US" sz="5200" dirty="0"/>
-              <a:t> - Events</a:t>
+              <a:t> – Events (Simple)</a:t>
             </a:r>
             <a:endParaRPr lang="en-US" sz="5200" kern="1200" dirty="0">
               <a:solidFill>
@@ -6559,39 +6624,9 @@
           </a:p>
         </p:txBody>
       </p:sp>
-      <p:pic>
-        <p:nvPicPr>
-          <p:cNvPr id="10" name="Picture 9">
-            <a:extLst>
-              <a:ext uri="{FF2B5EF4-FFF2-40B4-BE49-F238E27FC236}">
-                <a16:creationId xmlns:a16="http://schemas.microsoft.com/office/drawing/2014/main" id="{93256E05-5443-A38F-25E6-FC915A85358F}"/>
-              </a:ext>
-            </a:extLst>
-          </p:cNvPr>
-          <p:cNvPicPr>
-            <a:picLocks noChangeAspect="1"/>
-          </p:cNvPicPr>
-          <p:nvPr/>
-        </p:nvPicPr>
-        <p:blipFill>
-          <a:blip r:embed="rId2"/>
-          <a:stretch>
-            <a:fillRect/>
-          </a:stretch>
-        </p:blipFill>
-        <p:spPr>
-          <a:xfrm>
-            <a:off x="6165660" y="2584257"/>
-            <a:ext cx="1769247" cy="660387"/>
-          </a:xfrm>
-          <a:prstGeom prst="rect">
-            <a:avLst/>
-          </a:prstGeom>
-        </p:spPr>
-      </p:pic>
-      <mc:AlternateContent xmlns:mc="http://schemas.openxmlformats.org/markup-compatibility/2006">
-        <mc:Choice xmlns:p14="http://schemas.microsoft.com/office/powerpoint/2010/main" Requires="p14">
-          <p:contentPart p14:bwMode="auto" r:id="rId3">
+      <mc:AlternateContent xmlns:mc="http://schemas.openxmlformats.org/markup-compatibility/2006" xmlns:p14="http://schemas.microsoft.com/office/powerpoint/2010/main">
+        <mc:Choice Requires="p14">
+          <p:contentPart p14:bwMode="auto" r:id="rId2">
             <p14:nvContentPartPr>
               <p14:cNvPr id="11" name="Ink 10">
                 <a:extLst>
@@ -6609,7 +6644,7 @@
             </p14:xfrm>
           </p:contentPart>
         </mc:Choice>
-        <mc:Fallback>
+        <mc:Fallback xmlns="">
           <p:pic>
             <p:nvPicPr>
               <p:cNvPr id="11" name="Ink 10">
@@ -6640,101 +6675,12 @@
           </p:pic>
         </mc:Fallback>
       </mc:AlternateContent>
-      <p:cxnSp>
-        <p:nvCxnSpPr>
-          <p:cNvPr id="13" name="Straight Connector 12">
-            <a:extLst>
-              <a:ext uri="{FF2B5EF4-FFF2-40B4-BE49-F238E27FC236}">
-                <a16:creationId xmlns:a16="http://schemas.microsoft.com/office/drawing/2014/main" id="{13285F47-6DD4-1F9B-7854-8F66143EDFFE}"/>
-              </a:ext>
-            </a:extLst>
-          </p:cNvPr>
-          <p:cNvCxnSpPr>
-            <a:cxnSpLocks/>
-          </p:cNvCxnSpPr>
-          <p:nvPr/>
-        </p:nvCxnSpPr>
-        <p:spPr>
-          <a:xfrm flipH="1" flipV="1">
-            <a:off x="7595817" y="3185160"/>
-            <a:ext cx="701040" cy="278130"/>
-          </a:xfrm>
-          <a:prstGeom prst="line">
-            <a:avLst/>
-          </a:prstGeom>
-        </p:spPr>
-        <p:style>
-          <a:lnRef idx="2">
-            <a:schemeClr val="dk1"/>
-          </a:lnRef>
-          <a:fillRef idx="0">
-            <a:schemeClr val="dk1"/>
-          </a:fillRef>
-          <a:effectRef idx="1">
-            <a:schemeClr val="dk1"/>
-          </a:effectRef>
-          <a:fontRef idx="minor">
-            <a:schemeClr val="tx1"/>
-          </a:fontRef>
-        </p:style>
-      </p:cxnSp>
-      <mc:AlternateContent xmlns:mc="http://schemas.openxmlformats.org/markup-compatibility/2006">
-        <mc:Choice xmlns:p14="http://schemas.microsoft.com/office/powerpoint/2010/main" Requires="p14">
-          <p:contentPart p14:bwMode="auto" r:id="rId5">
-            <p14:nvContentPartPr>
-              <p14:cNvPr id="17" name="Ink 16">
-                <a:extLst>
-                  <a:ext uri="{FF2B5EF4-FFF2-40B4-BE49-F238E27FC236}">
-                    <a16:creationId xmlns:a16="http://schemas.microsoft.com/office/drawing/2014/main" id="{C5A13ACD-52E3-DDB9-3B26-C81FFBA8B3FE}"/>
-                  </a:ext>
-                </a:extLst>
-              </p14:cNvPr>
-              <p14:cNvContentPartPr/>
-              <p14:nvPr/>
-            </p14:nvContentPartPr>
-            <p14:xfrm>
-              <a:off x="7576800" y="3177320"/>
-              <a:ext cx="28080" cy="13680"/>
-            </p14:xfrm>
-          </p:contentPart>
-        </mc:Choice>
-        <mc:Fallback>
-          <p:pic>
-            <p:nvPicPr>
-              <p:cNvPr id="17" name="Ink 16">
-                <a:extLst>
-                  <a:ext uri="{FF2B5EF4-FFF2-40B4-BE49-F238E27FC236}">
-                    <a16:creationId xmlns:a16="http://schemas.microsoft.com/office/drawing/2014/main" id="{C5A13ACD-52E3-DDB9-3B26-C81FFBA8B3FE}"/>
-                  </a:ext>
-                </a:extLst>
-              </p:cNvPr>
-              <p:cNvPicPr/>
-              <p:nvPr/>
-            </p:nvPicPr>
-            <p:blipFill>
-              <a:blip r:embed="rId6"/>
-              <a:stretch>
-                <a:fillRect/>
-              </a:stretch>
-            </p:blipFill>
-            <p:spPr>
-              <a:xfrm>
-                <a:off x="7567800" y="3168320"/>
-                <a:ext cx="45720" cy="31320"/>
-              </a:xfrm>
-              <a:prstGeom prst="rect">
-                <a:avLst/>
-              </a:prstGeom>
-            </p:spPr>
-          </p:pic>
-        </mc:Fallback>
-      </mc:AlternateContent>
       <p:pic>
         <p:nvPicPr>
-          <p:cNvPr id="4" name="Picture 3" descr="A diagram of a diagram&#10;&#10;AI-generated content may be incorrect.">
-            <a:extLst>
-              <a:ext uri="{FF2B5EF4-FFF2-40B4-BE49-F238E27FC236}">
-                <a16:creationId xmlns:a16="http://schemas.microsoft.com/office/drawing/2014/main" id="{B0660A20-5410-BB98-F1E0-2109F0EAFC9F}"/>
+          <p:cNvPr id="5" name="Picture 4" descr="A diagram of a diagram&#10;&#10;AI-generated content may be incorrect.">
+            <a:extLst>
+              <a:ext uri="{FF2B5EF4-FFF2-40B4-BE49-F238E27FC236}">
+                <a16:creationId xmlns:a16="http://schemas.microsoft.com/office/drawing/2014/main" id="{B98D32F2-B2B9-4DA7-37D7-6BBC5F466389}"/>
               </a:ext>
             </a:extLst>
           </p:cNvPr>
@@ -6744,7 +6690,7 @@
           <p:nvPr/>
         </p:nvPicPr>
         <p:blipFill>
-          <a:blip r:embed="rId7">
+          <a:blip r:embed="rId5">
             <a:extLst>
               <a:ext uri="{28A0092B-C50C-407E-A947-70E740481C1C}">
                 <a14:useLocalDpi xmlns:a14="http://schemas.microsoft.com/office/drawing/2010/main" val="0"/>
@@ -6757,8 +6703,8 @@
         </p:blipFill>
         <p:spPr>
           <a:xfrm>
-            <a:off x="611753" y="1004923"/>
-            <a:ext cx="10965443" cy="5665948"/>
+            <a:off x="2560755" y="975048"/>
+            <a:ext cx="7067439" cy="5882952"/>
           </a:xfrm>
           <a:prstGeom prst="rect">
             <a:avLst/>
